--- a/доклад/javadoc.pptx
+++ b/доклад/javadoc.pptx
@@ -5,14 +5,20 @@
     <p:sldMasterId id="2147483648" r:id="rId2"/>
     <p:sldMasterId id="2147483650" r:id="rId3"/>
     <p:sldMasterId id="2147483652" r:id="rId4"/>
+    <p:sldMasterId id="2147483654" r:id="rId5"/>
   </p:sldMasterIdLst>
   <p:sldIdLst>
-    <p:sldId id="256" r:id="rId5"/>
-    <p:sldId id="257" r:id="rId6"/>
-    <p:sldId id="258" r:id="rId7"/>
-    <p:sldId id="259" r:id="rId8"/>
-    <p:sldId id="260" r:id="rId9"/>
-    <p:sldId id="261" r:id="rId10"/>
+    <p:sldId id="256" r:id="rId6"/>
+    <p:sldId id="257" r:id="rId7"/>
+    <p:sldId id="258" r:id="rId8"/>
+    <p:sldId id="259" r:id="rId9"/>
+    <p:sldId id="260" r:id="rId10"/>
+    <p:sldId id="261" r:id="rId11"/>
+    <p:sldId id="262" r:id="rId12"/>
+    <p:sldId id="263" r:id="rId13"/>
+    <p:sldId id="264" r:id="rId14"/>
+    <p:sldId id="265" r:id="rId15"/>
+    <p:sldId id="266" r:id="rId16"/>
   </p:sldIdLst>
   <p:sldSz cx="10080625" cy="5670550"/>
   <p:notesSz cx="7772400" cy="10058400"/>
@@ -49,7 +55,7 @@
         <p:spPr>
           <a:xfrm>
             <a:off x="360000" y="106200"/>
-            <a:ext cx="9359640" cy="625320"/>
+            <a:ext cx="9359280" cy="625320"/>
           </a:xfrm>
           <a:prstGeom prst="rect">
             <a:avLst/>
@@ -89,7 +95,7 @@
         <p:spPr>
           <a:xfrm>
             <a:off x="360000" y="1080000"/>
-            <a:ext cx="9359640" cy="3599640"/>
+            <a:ext cx="9359280" cy="3599280"/>
           </a:xfrm>
           <a:prstGeom prst="rect">
             <a:avLst/>
@@ -153,7 +159,7 @@
         <p:txBody>
           <a:bodyPr/>
           <a:p>
-            <a:fld id="{58DADA70-21C8-4E93-99F9-15CA754B2BFC}" type="slidenum">
+            <a:fld id="{E7D9FDAB-5F75-4D30-908C-D90D9B3BA5C8}" type="slidenum">
               <a:t>&lt;#&gt;</a:t>
             </a:fld>
           </a:p>
@@ -215,7 +221,7 @@
         <p:spPr>
           <a:xfrm>
             <a:off x="360000" y="106200"/>
-            <a:ext cx="9359640" cy="625320"/>
+            <a:ext cx="9359280" cy="625320"/>
           </a:xfrm>
           <a:prstGeom prst="rect">
             <a:avLst/>
@@ -276,7 +282,7 @@
         <p:txBody>
           <a:bodyPr/>
           <a:p>
-            <a:fld id="{F83FFEF2-F3DA-4157-AFF4-490FC426581A}" type="slidenum">
+            <a:fld id="{1F4B6C66-A9C4-4AF3-B313-47514FB0BDB4}" type="slidenum">
               <a:t>&lt;#&gt;</a:t>
             </a:fld>
           </a:p>
@@ -309,7 +315,7 @@
 </file>
 
 <file path=ppt/slideLayouts/slideLayout3.xml><?xml version="1.0" encoding="utf-8"?>
-<p:sldLayout xmlns:a="http://schemas.openxmlformats.org/drawingml/2006/main" xmlns:p="http://schemas.openxmlformats.org/presentationml/2006/main" xmlns:r="http://schemas.openxmlformats.org/officeDocument/2006/relationships" xmlns:p14="http://schemas.microsoft.com/office/powerpoint/2010/main" xmlns:p15="http://schemas.microsoft.com/office/powerpoint/2012/main" xmlns:mc="http://schemas.openxmlformats.org/markup-compatibility/2006" type="tx" preserve="1">
+<p:sldLayout xmlns:a="http://schemas.openxmlformats.org/drawingml/2006/main" xmlns:p="http://schemas.openxmlformats.org/presentationml/2006/main" xmlns:r="http://schemas.openxmlformats.org/officeDocument/2006/relationships" xmlns:p14="http://schemas.microsoft.com/office/powerpoint/2010/main" xmlns:p15="http://schemas.microsoft.com/office/powerpoint/2012/main" xmlns:mc="http://schemas.openxmlformats.org/markup-compatibility/2006" type="blank" preserve="1">
   <p:cSld name="Blue_Curve1">
     <p:spTree>
       <p:nvGrpSpPr>
@@ -327,7 +333,90 @@
       </p:grpSpPr>
       <p:sp>
         <p:nvSpPr>
-          <p:cNvPr id="22" name="PlaceHolder 1"/>
+          <p:cNvPr id="2" name="PlaceHolder 1"/>
+          <p:cNvSpPr>
+            <a:spLocks noGrp="1"/>
+          </p:cNvSpPr>
+          <p:nvPr>
+            <p:ph type="ftr" idx="7"/>
+          </p:nvPr>
+        </p:nvSpPr>
+        <p:spPr/>
+        <p:txBody>
+          <a:bodyPr/>
+          <a:p>
+            <a:r>
+              <a:t>Footer</a:t>
+            </a:r>
+          </a:p>
+        </p:txBody>
+      </p:sp>
+      <p:sp>
+        <p:nvSpPr>
+          <p:cNvPr id="3" name="PlaceHolder 2"/>
+          <p:cNvSpPr>
+            <a:spLocks noGrp="1"/>
+          </p:cNvSpPr>
+          <p:nvPr>
+            <p:ph type="sldNum" idx="8"/>
+          </p:nvPr>
+        </p:nvSpPr>
+        <p:spPr/>
+        <p:txBody>
+          <a:bodyPr/>
+          <a:p>
+            <a:fld id="{F25064EC-4450-49A3-A6DD-B5374B00A149}" type="slidenum">
+              <a:t>&lt;#&gt;</a:t>
+            </a:fld>
+          </a:p>
+        </p:txBody>
+      </p:sp>
+      <p:sp>
+        <p:nvSpPr>
+          <p:cNvPr id="4" name="PlaceHolder 3"/>
+          <p:cNvSpPr>
+            <a:spLocks noGrp="1"/>
+          </p:cNvSpPr>
+          <p:nvPr>
+            <p:ph type="dt" idx="9"/>
+          </p:nvPr>
+        </p:nvSpPr>
+        <p:spPr/>
+        <p:txBody>
+          <a:bodyPr/>
+          <a:p>
+            <a:r>
+              <a:rPr lang="en-US"/>
+              <a:t/>
+            </a:r>
+          </a:p>
+        </p:txBody>
+      </p:sp>
+    </p:spTree>
+  </p:cSld>
+</p:sldLayout>
+</file>
+
+<file path=ppt/slideLayouts/slideLayout4.xml><?xml version="1.0" encoding="utf-8"?>
+<p:sldLayout xmlns:a="http://schemas.openxmlformats.org/drawingml/2006/main" xmlns:p="http://schemas.openxmlformats.org/presentationml/2006/main" xmlns:r="http://schemas.openxmlformats.org/officeDocument/2006/relationships" xmlns:p14="http://schemas.microsoft.com/office/powerpoint/2010/main" xmlns:p15="http://schemas.microsoft.com/office/powerpoint/2012/main" xmlns:mc="http://schemas.openxmlformats.org/markup-compatibility/2006" type="tx" preserve="1">
+  <p:cSld name="Default 1">
+    <p:spTree>
+      <p:nvGrpSpPr>
+        <p:cNvPr id="1" name=""/>
+        <p:cNvGrpSpPr/>
+        <p:nvPr/>
+      </p:nvGrpSpPr>
+      <p:grpSpPr>
+        <a:xfrm>
+          <a:off x="0" y="0"/>
+          <a:ext cx="0" cy="0"/>
+          <a:chOff x="0" y="0"/>
+          <a:chExt cx="0" cy="0"/>
+        </a:xfrm>
+      </p:grpSpPr>
+      <p:sp>
+        <p:nvSpPr>
+          <p:cNvPr id="29" name="PlaceHolder 1"/>
           <p:cNvSpPr>
             <a:spLocks noGrp="1"/>
           </p:cNvSpPr>
@@ -338,7 +427,7 @@
         <p:spPr>
           <a:xfrm>
             <a:off x="360000" y="106200"/>
-            <a:ext cx="9359640" cy="625320"/>
+            <a:ext cx="9359280" cy="625320"/>
           </a:xfrm>
           <a:prstGeom prst="rect">
             <a:avLst/>
@@ -367,7 +456,7 @@
       </p:sp>
       <p:sp>
         <p:nvSpPr>
-          <p:cNvPr id="23" name="PlaceHolder 2"/>
+          <p:cNvPr id="30" name="PlaceHolder 2"/>
           <p:cNvSpPr>
             <a:spLocks noGrp="1"/>
           </p:cNvSpPr>
@@ -378,7 +467,7 @@
         <p:spPr>
           <a:xfrm>
             <a:off x="360000" y="1080000"/>
-            <a:ext cx="9359640" cy="3599640"/>
+            <a:ext cx="9359280" cy="3599280"/>
           </a:xfrm>
           <a:prstGeom prst="rect">
             <a:avLst/>
@@ -415,7 +504,7 @@
             <a:spLocks noGrp="1"/>
           </p:cNvSpPr>
           <p:nvPr>
-            <p:ph type="ftr" idx="7"/>
+            <p:ph type="ftr" idx="10"/>
           </p:nvPr>
         </p:nvSpPr>
         <p:spPr/>
@@ -435,14 +524,14 @@
             <a:spLocks noGrp="1"/>
           </p:cNvSpPr>
           <p:nvPr>
-            <p:ph type="sldNum" idx="8"/>
+            <p:ph type="sldNum" idx="11"/>
           </p:nvPr>
         </p:nvSpPr>
         <p:spPr/>
         <p:txBody>
           <a:bodyPr/>
           <a:p>
-            <a:fld id="{640138BF-5646-4C3B-8D3E-6579804B99E7}" type="slidenum">
+            <a:fld id="{410508B2-B83D-4EAA-AAED-95369D961016}" type="slidenum">
               <a:t>&lt;#&gt;</a:t>
             </a:fld>
           </a:p>
@@ -455,7 +544,7 @@
             <a:spLocks noGrp="1"/>
           </p:cNvSpPr>
           <p:nvPr>
-            <p:ph type="dt" idx="9"/>
+            <p:ph type="dt" idx="12"/>
           </p:nvPr>
         </p:nvSpPr>
         <p:spPr/>
@@ -500,7 +589,7 @@
         <p:spPr>
           <a:xfrm flipH="1" flipV="1">
             <a:off x="-720" y="4499280"/>
-            <a:ext cx="10079640" cy="1169640"/>
+            <a:ext cx="10079280" cy="1169280"/>
           </a:xfrm>
           <a:prstGeom prst="flowChartDocument">
             <a:avLst/>
@@ -697,10 +786,10 @@
                 <a:srgbClr val="3cb3e6"/>
               </a:gs>
               <a:gs pos="50000">
+                <a:srgbClr val="3cb3e6"/>
+              </a:gs>
+              <a:gs pos="50000">
                 <a:srgbClr val="3bb2e5"/>
-              </a:gs>
-              <a:gs pos="50000">
-                <a:srgbClr val="3cb3e6"/>
               </a:gs>
               <a:gs pos="51563">
                 <a:srgbClr val="3bb2e5"/>
@@ -793,10 +882,10 @@
                 <a:srgbClr val="1ea7e1"/>
               </a:gs>
               <a:gs pos="75000">
+                <a:srgbClr val="1ea7e1"/>
+              </a:gs>
+              <a:gs pos="75000">
                 <a:srgbClr val="1ca6e1"/>
-              </a:gs>
-              <a:gs pos="75000">
-                <a:srgbClr val="1ea7e1"/>
               </a:gs>
               <a:gs pos="76563">
                 <a:srgbClr val="1ca6e1"/>
@@ -841,10 +930,10 @@
                 <a:srgbClr val="0fa1df"/>
               </a:gs>
               <a:gs pos="87500">
+                <a:srgbClr val="0fa1df"/>
+              </a:gs>
+              <a:gs pos="87500">
                 <a:srgbClr val="0da0df"/>
-              </a:gs>
-              <a:gs pos="87500">
-                <a:srgbClr val="0fa1df"/>
               </a:gs>
               <a:gs pos="89063">
                 <a:srgbClr val="0da0df"/>
@@ -892,7 +981,7 @@
                 <a:srgbClr val="009bdd"/>
               </a:gs>
             </a:gsLst>
-            <a:lin ang="0"/>
+            <a:lin ang="10800000"/>
           </a:gradFill>
           <a:ln w="18000">
             <a:noFill/>
@@ -941,8 +1030,8 @@
         </p:nvSpPr>
         <p:spPr>
           <a:xfrm>
-            <a:off x="360000" y="180000"/>
-            <a:ext cx="9359640" cy="477720"/>
+            <a:off x="360000" y="106200"/>
+            <a:ext cx="9359280" cy="624960"/>
           </a:xfrm>
           <a:prstGeom prst="rect">
             <a:avLst/>
@@ -991,7 +1080,7 @@
         <p:spPr>
           <a:xfrm>
             <a:off x="360000" y="1080000"/>
-            <a:ext cx="9359640" cy="3599640"/>
+            <a:ext cx="9359280" cy="3599280"/>
           </a:xfrm>
           <a:prstGeom prst="rect">
             <a:avLst/>
@@ -1003,7 +1092,7 @@
         </p:spPr>
         <p:txBody>
           <a:bodyPr lIns="0" rIns="0" tIns="0" bIns="0" anchor="t">
-            <a:noAutofit/>
+            <a:normAutofit/>
           </a:bodyPr>
           <a:p>
             <a:pPr marL="432000" indent="-324000">
@@ -1216,7 +1305,7 @@
         <p:spPr>
           <a:xfrm>
             <a:off x="3420000" y="5220000"/>
-            <a:ext cx="3239640" cy="359640"/>
+            <a:ext cx="3239280" cy="359280"/>
           </a:xfrm>
           <a:prstGeom prst="rect">
             <a:avLst/>
@@ -1264,7 +1353,7 @@
                 </a:solidFill>
                 <a:latin typeface="Arial"/>
               </a:rPr>
-              <a:t> </a:t>
+              <a:t>&lt;footer&gt;</a:t>
             </a:r>
             <a:endParaRPr b="0" lang="en-US" sz="1400" spc="-1" strike="noStrike">
               <a:solidFill>
@@ -1288,7 +1377,7 @@
         <p:spPr>
           <a:xfrm>
             <a:off x="7380000" y="5220000"/>
-            <a:ext cx="2339640" cy="359640"/>
+            <a:ext cx="2339280" cy="359280"/>
           </a:xfrm>
           <a:prstGeom prst="rect">
             <a:avLst/>
@@ -1329,14 +1418,14 @@
                 <a:tab algn="l" pos="0"/>
               </a:tabLst>
             </a:pPr>
-            <a:fld id="{224A8F1A-3C1D-4B2F-BD23-B807B8979CAB}" type="slidenum">
+            <a:fld id="{964F2952-E2DE-4E96-8078-C54B25C72CE2}" type="slidenum">
               <a:rPr b="0" lang="en-US" sz="1400" spc="-1" strike="noStrike">
                 <a:solidFill>
                   <a:srgbClr val="ffffff"/>
                 </a:solidFill>
                 <a:latin typeface="Arial"/>
               </a:rPr>
-              <a:t>4</a:t>
+              <a:t>&lt;number&gt;</a:t>
             </a:fld>
             <a:endParaRPr b="0" lang="en-US" sz="1400" spc="-1" strike="noStrike">
               <a:solidFill>
@@ -1360,7 +1449,7 @@
         <p:spPr>
           <a:xfrm>
             <a:off x="360000" y="5220000"/>
-            <a:ext cx="2339640" cy="359640"/>
+            <a:ext cx="2339280" cy="359280"/>
           </a:xfrm>
           <a:prstGeom prst="rect">
             <a:avLst/>
@@ -1396,7 +1485,7 @@
                 </a:solidFill>
                 <a:latin typeface="Times New Roman"/>
               </a:rPr>
-              <a:t> </a:t>
+              <a:t>&lt;date/time&gt;</a:t>
             </a:r>
             <a:endParaRPr b="0" lang="en-US" sz="1400" spc="-1" strike="noStrike">
               <a:solidFill>
@@ -1442,7 +1531,7 @@
         <p:spPr>
           <a:xfrm flipH="1" flipV="1">
             <a:off x="-720" y="4499280"/>
-            <a:ext cx="10079640" cy="1169640"/>
+            <a:ext cx="10079280" cy="1169280"/>
           </a:xfrm>
           <a:prstGeom prst="flowChartDocument">
             <a:avLst/>
@@ -1639,10 +1728,10 @@
                 <a:srgbClr val="3cb3e6"/>
               </a:gs>
               <a:gs pos="50000">
+                <a:srgbClr val="3cb3e6"/>
+              </a:gs>
+              <a:gs pos="50000">
                 <a:srgbClr val="3bb2e5"/>
-              </a:gs>
-              <a:gs pos="50000">
-                <a:srgbClr val="3cb3e6"/>
               </a:gs>
               <a:gs pos="51563">
                 <a:srgbClr val="3bb2e5"/>
@@ -1735,10 +1824,10 @@
                 <a:srgbClr val="1ea7e1"/>
               </a:gs>
               <a:gs pos="75000">
+                <a:srgbClr val="1ea7e1"/>
+              </a:gs>
+              <a:gs pos="75000">
                 <a:srgbClr val="1ca6e1"/>
-              </a:gs>
-              <a:gs pos="75000">
-                <a:srgbClr val="1ea7e1"/>
               </a:gs>
               <a:gs pos="76563">
                 <a:srgbClr val="1ca6e1"/>
@@ -1783,10 +1872,10 @@
                 <a:srgbClr val="0fa1df"/>
               </a:gs>
               <a:gs pos="87500">
+                <a:srgbClr val="0fa1df"/>
+              </a:gs>
+              <a:gs pos="87500">
                 <a:srgbClr val="0da0df"/>
-              </a:gs>
-              <a:gs pos="87500">
-                <a:srgbClr val="0fa1df"/>
               </a:gs>
               <a:gs pos="89063">
                 <a:srgbClr val="0da0df"/>
@@ -1834,7 +1923,7 @@
                 <a:srgbClr val="009bdd"/>
               </a:gs>
             </a:gsLst>
-            <a:lin ang="0"/>
+            <a:lin ang="10800000"/>
           </a:gradFill>
           <a:ln w="18000">
             <a:noFill/>
@@ -1883,8 +1972,8 @@
         </p:nvSpPr>
         <p:spPr>
           <a:xfrm>
-            <a:off x="360000" y="180000"/>
-            <a:ext cx="9359640" cy="477720"/>
+            <a:off x="360000" y="106200"/>
+            <a:ext cx="9359280" cy="624960"/>
           </a:xfrm>
           <a:prstGeom prst="rect">
             <a:avLst/>
@@ -1933,7 +2022,7 @@
         <p:spPr>
           <a:xfrm>
             <a:off x="3420000" y="5220000"/>
-            <a:ext cx="3239640" cy="359640"/>
+            <a:ext cx="3239280" cy="359280"/>
           </a:xfrm>
           <a:prstGeom prst="rect">
             <a:avLst/>
@@ -2005,7 +2094,7 @@
         <p:spPr>
           <a:xfrm>
             <a:off x="7380000" y="5220000"/>
-            <a:ext cx="2339640" cy="359640"/>
+            <a:ext cx="2339280" cy="359280"/>
           </a:xfrm>
           <a:prstGeom prst="rect">
             <a:avLst/>
@@ -2046,7 +2135,7 @@
                 <a:tab algn="l" pos="0"/>
               </a:tabLst>
             </a:pPr>
-            <a:fld id="{D77FE93B-FE55-4CCA-BE65-D3E88B7655C6}" type="slidenum">
+            <a:fld id="{C82AD422-6F0E-4BD5-84CD-F4CD3054DA6C}" type="slidenum">
               <a:rPr b="0" lang="en-US" sz="1400" spc="-1" strike="noStrike">
                 <a:solidFill>
                   <a:srgbClr val="ffffff"/>
@@ -2077,7 +2166,7 @@
         <p:spPr>
           <a:xfrm>
             <a:off x="360000" y="5220000"/>
-            <a:ext cx="2339640" cy="359640"/>
+            <a:ext cx="2339280" cy="359280"/>
           </a:xfrm>
           <a:prstGeom prst="rect">
             <a:avLst/>
@@ -2384,7 +2473,7 @@
         <p:spPr>
           <a:xfrm>
             <a:off x="0" y="0"/>
-            <a:ext cx="10076400" cy="719640"/>
+            <a:ext cx="10076040" cy="719280"/>
           </a:xfrm>
           <a:prstGeom prst="rect">
             <a:avLst/>
@@ -2581,10 +2670,10 @@
                 <a:srgbClr val="3cb3e6"/>
               </a:gs>
               <a:gs pos="50000">
+                <a:srgbClr val="3cb3e6"/>
+              </a:gs>
+              <a:gs pos="50000">
                 <a:srgbClr val="3bb2e5"/>
-              </a:gs>
-              <a:gs pos="50000">
-                <a:srgbClr val="3cb3e6"/>
               </a:gs>
               <a:gs pos="51563">
                 <a:srgbClr val="3bb2e5"/>
@@ -2677,10 +2766,10 @@
                 <a:srgbClr val="1ea7e1"/>
               </a:gs>
               <a:gs pos="75000">
+                <a:srgbClr val="1ea7e1"/>
+              </a:gs>
+              <a:gs pos="75000">
                 <a:srgbClr val="1ca6e1"/>
-              </a:gs>
-              <a:gs pos="75000">
-                <a:srgbClr val="1ea7e1"/>
               </a:gs>
               <a:gs pos="76563">
                 <a:srgbClr val="1ca6e1"/>
@@ -2725,10 +2814,10 @@
                 <a:srgbClr val="0fa1df"/>
               </a:gs>
               <a:gs pos="87500">
+                <a:srgbClr val="0fa1df"/>
+              </a:gs>
+              <a:gs pos="87500">
                 <a:srgbClr val="0da0df"/>
-              </a:gs>
-              <a:gs pos="87500">
-                <a:srgbClr val="0fa1df"/>
               </a:gs>
               <a:gs pos="89063">
                 <a:srgbClr val="0da0df"/>
@@ -2822,7 +2911,7 @@
         <p:spPr>
           <a:xfrm>
             <a:off x="3240" y="5040000"/>
-            <a:ext cx="10076400" cy="631080"/>
+            <a:ext cx="10076040" cy="630720"/>
           </a:xfrm>
           <a:prstGeom prst="rect">
             <a:avLst/>
@@ -3019,10 +3108,10 @@
                 <a:srgbClr val="3cb3e6"/>
               </a:gs>
               <a:gs pos="50000">
+                <a:srgbClr val="3cb3e6"/>
+              </a:gs>
+              <a:gs pos="50000">
                 <a:srgbClr val="3bb2e5"/>
-              </a:gs>
-              <a:gs pos="50000">
-                <a:srgbClr val="3cb3e6"/>
               </a:gs>
               <a:gs pos="51563">
                 <a:srgbClr val="3bb2e5"/>
@@ -3115,10 +3204,10 @@
                 <a:srgbClr val="1ea7e1"/>
               </a:gs>
               <a:gs pos="75000">
+                <a:srgbClr val="1ea7e1"/>
+              </a:gs>
+              <a:gs pos="75000">
                 <a:srgbClr val="1ca6e1"/>
-              </a:gs>
-              <a:gs pos="75000">
-                <a:srgbClr val="1ea7e1"/>
               </a:gs>
               <a:gs pos="76563">
                 <a:srgbClr val="1ca6e1"/>
@@ -3163,10 +3252,10 @@
                 <a:srgbClr val="0fa1df"/>
               </a:gs>
               <a:gs pos="87500">
+                <a:srgbClr val="0fa1df"/>
+              </a:gs>
+              <a:gs pos="87500">
                 <a:srgbClr val="0da0df"/>
-              </a:gs>
-              <a:gs pos="87500">
-                <a:srgbClr val="0fa1df"/>
               </a:gs>
               <a:gs pos="89063">
                 <a:srgbClr val="0da0df"/>
@@ -3258,287 +3347,13 @@
             <a:spLocks noGrp="1"/>
           </p:cNvSpPr>
           <p:nvPr>
-            <p:ph type="title"/>
-          </p:nvPr>
-        </p:nvSpPr>
-        <p:spPr>
-          <a:xfrm>
-            <a:off x="360000" y="180000"/>
-            <a:ext cx="9359640" cy="477720"/>
-          </a:xfrm>
-          <a:prstGeom prst="rect">
-            <a:avLst/>
-          </a:prstGeom>
-          <a:noFill/>
-          <a:ln w="0">
-            <a:noFill/>
-          </a:ln>
-        </p:spPr>
-        <p:txBody>
-          <a:bodyPr lIns="0" rIns="0" tIns="0" bIns="0" anchor="ctr">
-            <a:noAutofit/>
-          </a:bodyPr>
-          <a:p>
-            <a:pPr indent="0">
-              <a:buNone/>
-            </a:pPr>
-            <a:r>
-              <a:rPr b="0" lang="en-US" sz="1800" spc="-1" strike="noStrike">
-                <a:solidFill>
-                  <a:srgbClr val="000000"/>
-                </a:solidFill>
-                <a:latin typeface="Arial"/>
-              </a:rPr>
-              <a:t>Click to edit the title text format</a:t>
-            </a:r>
-            <a:endParaRPr b="0" lang="en-US" sz="1800" spc="-1" strike="noStrike">
-              <a:solidFill>
-                <a:srgbClr val="000000"/>
-              </a:solidFill>
-              <a:latin typeface="Arial"/>
-            </a:endParaRPr>
-          </a:p>
-        </p:txBody>
-      </p:sp>
-      <p:sp>
-        <p:nvSpPr>
-          <p:cNvPr id="18" name="PlaceHolder 2"/>
-          <p:cNvSpPr>
-            <a:spLocks noGrp="1"/>
-          </p:cNvSpPr>
-          <p:nvPr>
-            <p:ph type="body"/>
-          </p:nvPr>
-        </p:nvSpPr>
-        <p:spPr>
-          <a:xfrm>
-            <a:off x="360000" y="1080000"/>
-            <a:ext cx="9359640" cy="3599640"/>
-          </a:xfrm>
-          <a:prstGeom prst="rect">
-            <a:avLst/>
-          </a:prstGeom>
-          <a:noFill/>
-          <a:ln w="0">
-            <a:noFill/>
-          </a:ln>
-        </p:spPr>
-        <p:txBody>
-          <a:bodyPr lIns="0" rIns="0" tIns="0" bIns="0" anchor="t">
-            <a:noAutofit/>
-          </a:bodyPr>
-          <a:p>
-            <a:pPr marL="432000" indent="-324000">
-              <a:spcBef>
-                <a:spcPts val="1417"/>
-              </a:spcBef>
-              <a:buClr>
-                <a:srgbClr val="000000"/>
-              </a:buClr>
-              <a:buSzPct val="45000"/>
-              <a:buFont typeface="Wingdings" charset="2"/>
-              <a:buChar char=""/>
-            </a:pPr>
-            <a:r>
-              <a:rPr b="0" lang="en-US" sz="1800" spc="-1" strike="noStrike">
-                <a:solidFill>
-                  <a:srgbClr val="000000"/>
-                </a:solidFill>
-                <a:latin typeface="Arial"/>
-              </a:rPr>
-              <a:t>Click to edit the outline text format</a:t>
-            </a:r>
-            <a:endParaRPr b="0" lang="en-US" sz="1800" spc="-1" strike="noStrike">
-              <a:solidFill>
-                <a:srgbClr val="000000"/>
-              </a:solidFill>
-              <a:latin typeface="Arial"/>
-            </a:endParaRPr>
-          </a:p>
-          <a:p>
-            <a:pPr lvl="1" marL="864000" indent="-324000">
-              <a:spcBef>
-                <a:spcPts val="1134"/>
-              </a:spcBef>
-              <a:buClr>
-                <a:srgbClr val="000000"/>
-              </a:buClr>
-              <a:buSzPct val="75000"/>
-              <a:buFont typeface="Symbol" charset="2"/>
-              <a:buChar char=""/>
-            </a:pPr>
-            <a:r>
-              <a:rPr b="0" lang="en-US" sz="1800" spc="-1" strike="noStrike">
-                <a:solidFill>
-                  <a:srgbClr val="000000"/>
-                </a:solidFill>
-                <a:latin typeface="Arial"/>
-              </a:rPr>
-              <a:t>Second Outline Level</a:t>
-            </a:r>
-            <a:endParaRPr b="0" lang="en-US" sz="1800" spc="-1" strike="noStrike">
-              <a:solidFill>
-                <a:srgbClr val="000000"/>
-              </a:solidFill>
-              <a:latin typeface="Arial"/>
-            </a:endParaRPr>
-          </a:p>
-          <a:p>
-            <a:pPr lvl="2" marL="1296000" indent="-288000">
-              <a:spcBef>
-                <a:spcPts val="850"/>
-              </a:spcBef>
-              <a:buClr>
-                <a:srgbClr val="000000"/>
-              </a:buClr>
-              <a:buSzPct val="45000"/>
-              <a:buFont typeface="Wingdings" charset="2"/>
-              <a:buChar char=""/>
-            </a:pPr>
-            <a:r>
-              <a:rPr b="0" lang="en-US" sz="1800" spc="-1" strike="noStrike">
-                <a:solidFill>
-                  <a:srgbClr val="000000"/>
-                </a:solidFill>
-                <a:latin typeface="Arial"/>
-              </a:rPr>
-              <a:t>Third Outline Level</a:t>
-            </a:r>
-            <a:endParaRPr b="0" lang="en-US" sz="1800" spc="-1" strike="noStrike">
-              <a:solidFill>
-                <a:srgbClr val="000000"/>
-              </a:solidFill>
-              <a:latin typeface="Arial"/>
-            </a:endParaRPr>
-          </a:p>
-          <a:p>
-            <a:pPr lvl="3" marL="1728000" indent="-216000">
-              <a:spcBef>
-                <a:spcPts val="567"/>
-              </a:spcBef>
-              <a:buClr>
-                <a:srgbClr val="000000"/>
-              </a:buClr>
-              <a:buSzPct val="75000"/>
-              <a:buFont typeface="Symbol" charset="2"/>
-              <a:buChar char=""/>
-            </a:pPr>
-            <a:r>
-              <a:rPr b="0" lang="en-US" sz="1800" spc="-1" strike="noStrike">
-                <a:solidFill>
-                  <a:srgbClr val="000000"/>
-                </a:solidFill>
-                <a:latin typeface="Arial"/>
-              </a:rPr>
-              <a:t>Fourth Outline Level</a:t>
-            </a:r>
-            <a:endParaRPr b="0" lang="en-US" sz="1800" spc="-1" strike="noStrike">
-              <a:solidFill>
-                <a:srgbClr val="000000"/>
-              </a:solidFill>
-              <a:latin typeface="Arial"/>
-            </a:endParaRPr>
-          </a:p>
-          <a:p>
-            <a:pPr lvl="4" marL="2160000" indent="-216000">
-              <a:spcBef>
-                <a:spcPts val="283"/>
-              </a:spcBef>
-              <a:buClr>
-                <a:srgbClr val="000000"/>
-              </a:buClr>
-              <a:buSzPct val="45000"/>
-              <a:buFont typeface="Wingdings" charset="2"/>
-              <a:buChar char=""/>
-            </a:pPr>
-            <a:r>
-              <a:rPr b="0" lang="en-US" sz="1800" spc="-1" strike="noStrike">
-                <a:solidFill>
-                  <a:srgbClr val="000000"/>
-                </a:solidFill>
-                <a:latin typeface="Arial"/>
-              </a:rPr>
-              <a:t>Fifth Outline Level</a:t>
-            </a:r>
-            <a:endParaRPr b="0" lang="en-US" sz="1800" spc="-1" strike="noStrike">
-              <a:solidFill>
-                <a:srgbClr val="000000"/>
-              </a:solidFill>
-              <a:latin typeface="Arial"/>
-            </a:endParaRPr>
-          </a:p>
-          <a:p>
-            <a:pPr lvl="5" marL="2592000" indent="-216000">
-              <a:spcBef>
-                <a:spcPts val="283"/>
-              </a:spcBef>
-              <a:buClr>
-                <a:srgbClr val="000000"/>
-              </a:buClr>
-              <a:buSzPct val="45000"/>
-              <a:buFont typeface="Wingdings" charset="2"/>
-              <a:buChar char=""/>
-            </a:pPr>
-            <a:r>
-              <a:rPr b="0" lang="en-US" sz="1800" spc="-1" strike="noStrike">
-                <a:solidFill>
-                  <a:srgbClr val="000000"/>
-                </a:solidFill>
-                <a:latin typeface="Arial"/>
-              </a:rPr>
-              <a:t>Sixth Outline Level</a:t>
-            </a:r>
-            <a:endParaRPr b="0" lang="en-US" sz="1800" spc="-1" strike="noStrike">
-              <a:solidFill>
-                <a:srgbClr val="000000"/>
-              </a:solidFill>
-              <a:latin typeface="Arial"/>
-            </a:endParaRPr>
-          </a:p>
-          <a:p>
-            <a:pPr lvl="6" marL="3024000" indent="-216000">
-              <a:spcBef>
-                <a:spcPts val="283"/>
-              </a:spcBef>
-              <a:buClr>
-                <a:srgbClr val="000000"/>
-              </a:buClr>
-              <a:buSzPct val="45000"/>
-              <a:buFont typeface="Wingdings" charset="2"/>
-              <a:buChar char=""/>
-            </a:pPr>
-            <a:r>
-              <a:rPr b="0" lang="en-US" sz="1800" spc="-1" strike="noStrike">
-                <a:solidFill>
-                  <a:srgbClr val="000000"/>
-                </a:solidFill>
-                <a:latin typeface="Arial"/>
-              </a:rPr>
-              <a:t>Seventh Outline Level</a:t>
-            </a:r>
-            <a:endParaRPr b="0" lang="en-US" sz="1800" spc="-1" strike="noStrike">
-              <a:solidFill>
-                <a:srgbClr val="000000"/>
-              </a:solidFill>
-              <a:latin typeface="Arial"/>
-            </a:endParaRPr>
-          </a:p>
-        </p:txBody>
-      </p:sp>
-      <p:sp>
-        <p:nvSpPr>
-          <p:cNvPr id="19" name="PlaceHolder 3"/>
-          <p:cNvSpPr>
-            <a:spLocks noGrp="1"/>
-          </p:cNvSpPr>
-          <p:nvPr>
             <p:ph type="ftr" idx="7"/>
           </p:nvPr>
         </p:nvSpPr>
         <p:spPr>
           <a:xfrm>
             <a:off x="3420000" y="5220000"/>
-            <a:ext cx="3239640" cy="359640"/>
+            <a:ext cx="3239280" cy="359280"/>
           </a:xfrm>
           <a:prstGeom prst="rect">
             <a:avLst/>
@@ -3599,7 +3414,7 @@
       </p:sp>
       <p:sp>
         <p:nvSpPr>
-          <p:cNvPr id="20" name="PlaceHolder 4"/>
+          <p:cNvPr id="18" name="PlaceHolder 2"/>
           <p:cNvSpPr>
             <a:spLocks noGrp="1"/>
           </p:cNvSpPr>
@@ -3610,7 +3425,7 @@
         <p:spPr>
           <a:xfrm>
             <a:off x="7380000" y="5220000"/>
-            <a:ext cx="2339640" cy="359640"/>
+            <a:ext cx="2339280" cy="359280"/>
           </a:xfrm>
           <a:prstGeom prst="rect">
             <a:avLst/>
@@ -3651,7 +3466,7 @@
                 <a:tab algn="l" pos="0"/>
               </a:tabLst>
             </a:pPr>
-            <a:fld id="{1B5A043D-C6B5-421F-AF4E-8AC64755AB5B}" type="slidenum">
+            <a:fld id="{A454B0BB-107E-4260-9003-54560EB92FA2}" type="slidenum">
               <a:rPr b="0" lang="en-US" sz="1400" spc="-1" strike="noStrike">
                 <a:solidFill>
                   <a:srgbClr val="ffffff"/>
@@ -3671,7 +3486,7 @@
       </p:sp>
       <p:sp>
         <p:nvSpPr>
-          <p:cNvPr id="21" name="PlaceHolder 5"/>
+          <p:cNvPr id="19" name="PlaceHolder 3"/>
           <p:cNvSpPr>
             <a:spLocks noGrp="1"/>
           </p:cNvSpPr>
@@ -3682,7 +3497,7 @@
         <p:spPr>
           <a:xfrm>
             <a:off x="360000" y="5220000"/>
-            <a:ext cx="2339640" cy="359640"/>
+            <a:ext cx="2339280" cy="359280"/>
           </a:xfrm>
           <a:prstGeom prst="rect">
             <a:avLst/>
@@ -3729,11 +3544,1665 @@
           </a:p>
         </p:txBody>
       </p:sp>
+      <p:sp>
+        <p:nvSpPr>
+          <p:cNvPr id="20" name="PlaceHolder 4"/>
+          <p:cNvSpPr>
+            <a:spLocks noGrp="1"/>
+          </p:cNvSpPr>
+          <p:nvPr>
+            <p:ph type="title"/>
+          </p:nvPr>
+        </p:nvSpPr>
+        <p:spPr>
+          <a:xfrm>
+            <a:off x="504000" y="226080"/>
+            <a:ext cx="9072000" cy="946440"/>
+          </a:xfrm>
+          <a:prstGeom prst="rect">
+            <a:avLst/>
+          </a:prstGeom>
+          <a:noFill/>
+          <a:ln w="0">
+            <a:noFill/>
+          </a:ln>
+        </p:spPr>
+        <p:txBody>
+          <a:bodyPr lIns="0" rIns="0" tIns="0" bIns="0" anchor="ctr">
+            <a:noAutofit/>
+          </a:bodyPr>
+          <a:p>
+            <a:pPr indent="0" algn="ctr">
+              <a:buNone/>
+            </a:pPr>
+            <a:r>
+              <a:rPr b="0" lang="en-US" sz="4400" spc="-1" strike="noStrike">
+                <a:solidFill>
+                  <a:srgbClr val="000000"/>
+                </a:solidFill>
+                <a:latin typeface="Arial"/>
+              </a:rPr>
+              <a:t>Click to edit the title text format</a:t>
+            </a:r>
+            <a:endParaRPr b="0" lang="en-US" sz="4400" spc="-1" strike="noStrike">
+              <a:solidFill>
+                <a:srgbClr val="000000"/>
+              </a:solidFill>
+              <a:latin typeface="Arial"/>
+            </a:endParaRPr>
+          </a:p>
+        </p:txBody>
+      </p:sp>
+      <p:sp>
+        <p:nvSpPr>
+          <p:cNvPr id="21" name="PlaceHolder 5"/>
+          <p:cNvSpPr>
+            <a:spLocks noGrp="1"/>
+          </p:cNvSpPr>
+          <p:nvPr>
+            <p:ph type="body"/>
+          </p:nvPr>
+        </p:nvSpPr>
+        <p:spPr>
+          <a:xfrm>
+            <a:off x="504000" y="1326600"/>
+            <a:ext cx="9072000" cy="3288600"/>
+          </a:xfrm>
+          <a:prstGeom prst="rect">
+            <a:avLst/>
+          </a:prstGeom>
+          <a:noFill/>
+          <a:ln w="0">
+            <a:noFill/>
+          </a:ln>
+        </p:spPr>
+        <p:txBody>
+          <a:bodyPr lIns="0" rIns="0" tIns="0" bIns="0" anchor="t">
+            <a:normAutofit/>
+          </a:bodyPr>
+          <a:p>
+            <a:pPr marL="432000" indent="-324000">
+              <a:spcBef>
+                <a:spcPts val="1417"/>
+              </a:spcBef>
+              <a:buClr>
+                <a:srgbClr val="000000"/>
+              </a:buClr>
+              <a:buSzPct val="45000"/>
+              <a:buFont typeface="Wingdings" charset="2"/>
+              <a:buChar char=""/>
+            </a:pPr>
+            <a:r>
+              <a:rPr b="0" lang="en-US" sz="3200" spc="-1" strike="noStrike">
+                <a:solidFill>
+                  <a:srgbClr val="000000"/>
+                </a:solidFill>
+                <a:latin typeface="Arial"/>
+              </a:rPr>
+              <a:t>Click to edit the outline text format</a:t>
+            </a:r>
+            <a:endParaRPr b="0" lang="en-US" sz="3200" spc="-1" strike="noStrike">
+              <a:solidFill>
+                <a:srgbClr val="000000"/>
+              </a:solidFill>
+              <a:latin typeface="Arial"/>
+            </a:endParaRPr>
+          </a:p>
+          <a:p>
+            <a:pPr lvl="1" marL="864000" indent="-324000">
+              <a:spcBef>
+                <a:spcPts val="1134"/>
+              </a:spcBef>
+              <a:buClr>
+                <a:srgbClr val="000000"/>
+              </a:buClr>
+              <a:buSzPct val="75000"/>
+              <a:buFont typeface="Symbol" charset="2"/>
+              <a:buChar char=""/>
+            </a:pPr>
+            <a:r>
+              <a:rPr b="0" lang="en-US" sz="2800" spc="-1" strike="noStrike">
+                <a:solidFill>
+                  <a:srgbClr val="000000"/>
+                </a:solidFill>
+                <a:latin typeface="Arial"/>
+              </a:rPr>
+              <a:t>Second Outline Level</a:t>
+            </a:r>
+            <a:endParaRPr b="0" lang="en-US" sz="2800" spc="-1" strike="noStrike">
+              <a:solidFill>
+                <a:srgbClr val="000000"/>
+              </a:solidFill>
+              <a:latin typeface="Arial"/>
+            </a:endParaRPr>
+          </a:p>
+          <a:p>
+            <a:pPr lvl="2" marL="1296000" indent="-288000">
+              <a:spcBef>
+                <a:spcPts val="850"/>
+              </a:spcBef>
+              <a:buClr>
+                <a:srgbClr val="000000"/>
+              </a:buClr>
+              <a:buSzPct val="45000"/>
+              <a:buFont typeface="Wingdings" charset="2"/>
+              <a:buChar char=""/>
+            </a:pPr>
+            <a:r>
+              <a:rPr b="0" lang="en-US" sz="2400" spc="-1" strike="noStrike">
+                <a:solidFill>
+                  <a:srgbClr val="000000"/>
+                </a:solidFill>
+                <a:latin typeface="Arial"/>
+              </a:rPr>
+              <a:t>Third Outline Level</a:t>
+            </a:r>
+            <a:endParaRPr b="0" lang="en-US" sz="2400" spc="-1" strike="noStrike">
+              <a:solidFill>
+                <a:srgbClr val="000000"/>
+              </a:solidFill>
+              <a:latin typeface="Arial"/>
+            </a:endParaRPr>
+          </a:p>
+          <a:p>
+            <a:pPr lvl="3" marL="1728000" indent="-216000">
+              <a:spcBef>
+                <a:spcPts val="567"/>
+              </a:spcBef>
+              <a:buClr>
+                <a:srgbClr val="000000"/>
+              </a:buClr>
+              <a:buSzPct val="75000"/>
+              <a:buFont typeface="Symbol" charset="2"/>
+              <a:buChar char=""/>
+            </a:pPr>
+            <a:r>
+              <a:rPr b="0" lang="en-US" sz="2000" spc="-1" strike="noStrike">
+                <a:solidFill>
+                  <a:srgbClr val="000000"/>
+                </a:solidFill>
+                <a:latin typeface="Arial"/>
+              </a:rPr>
+              <a:t>Fourth Outline Level</a:t>
+            </a:r>
+            <a:endParaRPr b="0" lang="en-US" sz="2000" spc="-1" strike="noStrike">
+              <a:solidFill>
+                <a:srgbClr val="000000"/>
+              </a:solidFill>
+              <a:latin typeface="Arial"/>
+            </a:endParaRPr>
+          </a:p>
+          <a:p>
+            <a:pPr lvl="4" marL="2160000" indent="-216000">
+              <a:spcBef>
+                <a:spcPts val="283"/>
+              </a:spcBef>
+              <a:buClr>
+                <a:srgbClr val="000000"/>
+              </a:buClr>
+              <a:buSzPct val="45000"/>
+              <a:buFont typeface="Wingdings" charset="2"/>
+              <a:buChar char=""/>
+            </a:pPr>
+            <a:r>
+              <a:rPr b="0" lang="en-US" sz="2000" spc="-1" strike="noStrike">
+                <a:solidFill>
+                  <a:srgbClr val="000000"/>
+                </a:solidFill>
+                <a:latin typeface="Arial"/>
+              </a:rPr>
+              <a:t>Fifth Outline Level</a:t>
+            </a:r>
+            <a:endParaRPr b="0" lang="en-US" sz="2000" spc="-1" strike="noStrike">
+              <a:solidFill>
+                <a:srgbClr val="000000"/>
+              </a:solidFill>
+              <a:latin typeface="Arial"/>
+            </a:endParaRPr>
+          </a:p>
+          <a:p>
+            <a:pPr lvl="5" marL="2592000" indent="-216000">
+              <a:spcBef>
+                <a:spcPts val="283"/>
+              </a:spcBef>
+              <a:buClr>
+                <a:srgbClr val="000000"/>
+              </a:buClr>
+              <a:buSzPct val="45000"/>
+              <a:buFont typeface="Wingdings" charset="2"/>
+              <a:buChar char=""/>
+            </a:pPr>
+            <a:r>
+              <a:rPr b="0" lang="en-US" sz="2000" spc="-1" strike="noStrike">
+                <a:solidFill>
+                  <a:srgbClr val="000000"/>
+                </a:solidFill>
+                <a:latin typeface="Arial"/>
+              </a:rPr>
+              <a:t>Sixth Outline Level</a:t>
+            </a:r>
+            <a:endParaRPr b="0" lang="en-US" sz="2000" spc="-1" strike="noStrike">
+              <a:solidFill>
+                <a:srgbClr val="000000"/>
+              </a:solidFill>
+              <a:latin typeface="Arial"/>
+            </a:endParaRPr>
+          </a:p>
+          <a:p>
+            <a:pPr lvl="6" marL="3024000" indent="-216000">
+              <a:spcBef>
+                <a:spcPts val="283"/>
+              </a:spcBef>
+              <a:buClr>
+                <a:srgbClr val="000000"/>
+              </a:buClr>
+              <a:buSzPct val="45000"/>
+              <a:buFont typeface="Wingdings" charset="2"/>
+              <a:buChar char=""/>
+            </a:pPr>
+            <a:r>
+              <a:rPr b="0" lang="en-US" sz="2000" spc="-1" strike="noStrike">
+                <a:solidFill>
+                  <a:srgbClr val="000000"/>
+                </a:solidFill>
+                <a:latin typeface="Arial"/>
+              </a:rPr>
+              <a:t>Seventh Outline Level</a:t>
+            </a:r>
+            <a:endParaRPr b="0" lang="en-US" sz="2000" spc="-1" strike="noStrike">
+              <a:solidFill>
+                <a:srgbClr val="000000"/>
+              </a:solidFill>
+              <a:latin typeface="Arial"/>
+            </a:endParaRPr>
+          </a:p>
+        </p:txBody>
+      </p:sp>
     </p:spTree>
   </p:cSld>
   <p:clrMap bg1="lt1" bg2="lt2" tx1="dk1" tx2="dk2" accent1="accent1" accent2="accent2" accent3="accent3" accent4="accent4" accent5="accent5" accent6="accent6" hlink="hlink" folHlink="folHlink"/>
   <p:sldLayoutIdLst>
     <p:sldLayoutId id="2147483653" r:id="rId2"/>
+  </p:sldLayoutIdLst>
+</p:sldMaster>
+</file>
+
+<file path=ppt/slideMasters/slideMaster4.xml><?xml version="1.0" encoding="utf-8"?>
+<p:sldMaster xmlns:a="http://schemas.openxmlformats.org/drawingml/2006/main" xmlns:p="http://schemas.openxmlformats.org/presentationml/2006/main" xmlns:r="http://schemas.openxmlformats.org/officeDocument/2006/relationships" xmlns:p14="http://schemas.microsoft.com/office/powerpoint/2010/main" xmlns:p15="http://schemas.microsoft.com/office/powerpoint/2012/main" xmlns:mc="http://schemas.openxmlformats.org/markup-compatibility/2006">
+  <p:cSld>
+    <p:spTree>
+      <p:nvGrpSpPr>
+        <p:cNvPr id="1" name=""/>
+        <p:cNvGrpSpPr/>
+        <p:nvPr/>
+      </p:nvGrpSpPr>
+      <p:grpSpPr>
+        <a:xfrm>
+          <a:off x="0" y="0"/>
+          <a:ext cx="0" cy="0"/>
+          <a:chOff x="0" y="0"/>
+          <a:chExt cx="0" cy="0"/>
+        </a:xfrm>
+      </p:grpSpPr>
+      <p:sp>
+        <p:nvSpPr>
+          <p:cNvPr id="22" name=""/>
+          <p:cNvSpPr/>
+          <p:nvPr/>
+        </p:nvSpPr>
+        <p:spPr>
+          <a:xfrm>
+            <a:off x="0" y="0"/>
+            <a:ext cx="10076040" cy="719280"/>
+          </a:xfrm>
+          <a:prstGeom prst="rect">
+            <a:avLst/>
+          </a:prstGeom>
+          <a:gradFill rotWithShape="0">
+            <a:gsLst>
+              <a:gs pos="0">
+                <a:srgbClr val="77caee"/>
+              </a:gs>
+              <a:gs pos="1563">
+                <a:srgbClr val="77caee"/>
+              </a:gs>
+              <a:gs pos="1563">
+                <a:srgbClr val="75c9ee"/>
+              </a:gs>
+              <a:gs pos="3125">
+                <a:srgbClr val="75c9ee"/>
+              </a:gs>
+              <a:gs pos="3125">
+                <a:srgbClr val="73c9ed"/>
+              </a:gs>
+              <a:gs pos="4688">
+                <a:srgbClr val="73c9ed"/>
+              </a:gs>
+              <a:gs pos="4688">
+                <a:srgbClr val="71c8ed"/>
+              </a:gs>
+              <a:gs pos="6250">
+                <a:srgbClr val="71c8ed"/>
+              </a:gs>
+              <a:gs pos="6250">
+                <a:srgbClr val="6fc7ed"/>
+              </a:gs>
+              <a:gs pos="7813">
+                <a:srgbClr val="6fc7ed"/>
+              </a:gs>
+              <a:gs pos="7813">
+                <a:srgbClr val="6ec6ed"/>
+              </a:gs>
+              <a:gs pos="9375">
+                <a:srgbClr val="6ec6ed"/>
+              </a:gs>
+              <a:gs pos="9375">
+                <a:srgbClr val="6cc6ec"/>
+              </a:gs>
+              <a:gs pos="10938">
+                <a:srgbClr val="6cc6ec"/>
+              </a:gs>
+              <a:gs pos="10938">
+                <a:srgbClr val="6ac5ec"/>
+              </a:gs>
+              <a:gs pos="12500">
+                <a:srgbClr val="6ac5ec"/>
+              </a:gs>
+              <a:gs pos="12500">
+                <a:srgbClr val="68c4ec"/>
+              </a:gs>
+              <a:gs pos="14063">
+                <a:srgbClr val="68c4ec"/>
+              </a:gs>
+              <a:gs pos="14063">
+                <a:srgbClr val="66c3ec"/>
+              </a:gs>
+              <a:gs pos="15625">
+                <a:srgbClr val="66c3ec"/>
+              </a:gs>
+              <a:gs pos="15625">
+                <a:srgbClr val="64c3eb"/>
+              </a:gs>
+              <a:gs pos="17188">
+                <a:srgbClr val="64c3eb"/>
+              </a:gs>
+              <a:gs pos="17188">
+                <a:srgbClr val="62c2eb"/>
+              </a:gs>
+              <a:gs pos="18750">
+                <a:srgbClr val="62c2eb"/>
+              </a:gs>
+              <a:gs pos="18750">
+                <a:srgbClr val="60c1eb"/>
+              </a:gs>
+              <a:gs pos="20313">
+                <a:srgbClr val="60c1eb"/>
+              </a:gs>
+              <a:gs pos="20313">
+                <a:srgbClr val="5ec0ea"/>
+              </a:gs>
+              <a:gs pos="21875">
+                <a:srgbClr val="5ec0ea"/>
+              </a:gs>
+              <a:gs pos="21875">
+                <a:srgbClr val="5dc0ea"/>
+              </a:gs>
+              <a:gs pos="23438">
+                <a:srgbClr val="5dc0ea"/>
+              </a:gs>
+              <a:gs pos="23438">
+                <a:srgbClr val="5bbfea"/>
+              </a:gs>
+              <a:gs pos="25000">
+                <a:srgbClr val="5bbfea"/>
+              </a:gs>
+              <a:gs pos="25000">
+                <a:srgbClr val="59beea"/>
+              </a:gs>
+              <a:gs pos="26563">
+                <a:srgbClr val="59beea"/>
+              </a:gs>
+              <a:gs pos="26563">
+                <a:srgbClr val="57bde9"/>
+              </a:gs>
+              <a:gs pos="28125">
+                <a:srgbClr val="57bde9"/>
+              </a:gs>
+              <a:gs pos="28125">
+                <a:srgbClr val="55bde9"/>
+              </a:gs>
+              <a:gs pos="29688">
+                <a:srgbClr val="55bde9"/>
+              </a:gs>
+              <a:gs pos="29688">
+                <a:srgbClr val="53bce9"/>
+              </a:gs>
+              <a:gs pos="31250">
+                <a:srgbClr val="53bce9"/>
+              </a:gs>
+              <a:gs pos="31250">
+                <a:srgbClr val="51bbe9"/>
+              </a:gs>
+              <a:gs pos="32813">
+                <a:srgbClr val="51bbe9"/>
+              </a:gs>
+              <a:gs pos="32813">
+                <a:srgbClr val="4fbae8"/>
+              </a:gs>
+              <a:gs pos="34375">
+                <a:srgbClr val="4fbae8"/>
+              </a:gs>
+              <a:gs pos="34375">
+                <a:srgbClr val="4dbae8"/>
+              </a:gs>
+              <a:gs pos="35938">
+                <a:srgbClr val="4dbae8"/>
+              </a:gs>
+              <a:gs pos="35938">
+                <a:srgbClr val="4cb9e8"/>
+              </a:gs>
+              <a:gs pos="37500">
+                <a:srgbClr val="4cb9e8"/>
+              </a:gs>
+              <a:gs pos="37500">
+                <a:srgbClr val="4ab8e8"/>
+              </a:gs>
+              <a:gs pos="39063">
+                <a:srgbClr val="4ab8e8"/>
+              </a:gs>
+              <a:gs pos="39063">
+                <a:srgbClr val="48b7e7"/>
+              </a:gs>
+              <a:gs pos="40625">
+                <a:srgbClr val="48b7e7"/>
+              </a:gs>
+              <a:gs pos="40625">
+                <a:srgbClr val="46b7e7"/>
+              </a:gs>
+              <a:gs pos="42188">
+                <a:srgbClr val="46b7e7"/>
+              </a:gs>
+              <a:gs pos="42188">
+                <a:srgbClr val="44b6e7"/>
+              </a:gs>
+              <a:gs pos="43750">
+                <a:srgbClr val="44b6e7"/>
+              </a:gs>
+              <a:gs pos="43750">
+                <a:srgbClr val="42b5e6"/>
+              </a:gs>
+              <a:gs pos="45313">
+                <a:srgbClr val="42b5e6"/>
+              </a:gs>
+              <a:gs pos="45313">
+                <a:srgbClr val="40b4e6"/>
+              </a:gs>
+              <a:gs pos="46875">
+                <a:srgbClr val="40b4e6"/>
+              </a:gs>
+              <a:gs pos="46875">
+                <a:srgbClr val="3eb4e6"/>
+              </a:gs>
+              <a:gs pos="48438">
+                <a:srgbClr val="3eb4e6"/>
+              </a:gs>
+              <a:gs pos="48438">
+                <a:srgbClr val="3cb3e6"/>
+              </a:gs>
+              <a:gs pos="50000">
+                <a:srgbClr val="3cb3e6"/>
+              </a:gs>
+              <a:gs pos="50000">
+                <a:srgbClr val="3bb2e5"/>
+              </a:gs>
+              <a:gs pos="51563">
+                <a:srgbClr val="3bb2e5"/>
+              </a:gs>
+              <a:gs pos="51563">
+                <a:srgbClr val="39b1e5"/>
+              </a:gs>
+              <a:gs pos="53125">
+                <a:srgbClr val="39b1e5"/>
+              </a:gs>
+              <a:gs pos="53125">
+                <a:srgbClr val="37b1e5"/>
+              </a:gs>
+              <a:gs pos="54688">
+                <a:srgbClr val="37b1e5"/>
+              </a:gs>
+              <a:gs pos="54688">
+                <a:srgbClr val="35b0e5"/>
+              </a:gs>
+              <a:gs pos="56250">
+                <a:srgbClr val="35b0e5"/>
+              </a:gs>
+              <a:gs pos="56250">
+                <a:srgbClr val="33afe4"/>
+              </a:gs>
+              <a:gs pos="57813">
+                <a:srgbClr val="33afe4"/>
+              </a:gs>
+              <a:gs pos="57813">
+                <a:srgbClr val="31aee4"/>
+              </a:gs>
+              <a:gs pos="59375">
+                <a:srgbClr val="31aee4"/>
+              </a:gs>
+              <a:gs pos="59375">
+                <a:srgbClr val="2faee4"/>
+              </a:gs>
+              <a:gs pos="60938">
+                <a:srgbClr val="2faee4"/>
+              </a:gs>
+              <a:gs pos="60938">
+                <a:srgbClr val="2dade3"/>
+              </a:gs>
+              <a:gs pos="62500">
+                <a:srgbClr val="2dade3"/>
+              </a:gs>
+              <a:gs pos="62500">
+                <a:srgbClr val="2bace3"/>
+              </a:gs>
+              <a:gs pos="64063">
+                <a:srgbClr val="2bace3"/>
+              </a:gs>
+              <a:gs pos="64063">
+                <a:srgbClr val="2aabe3"/>
+              </a:gs>
+              <a:gs pos="65625">
+                <a:srgbClr val="2aabe3"/>
+              </a:gs>
+              <a:gs pos="65625">
+                <a:srgbClr val="28abe3"/>
+              </a:gs>
+              <a:gs pos="67188">
+                <a:srgbClr val="28abe3"/>
+              </a:gs>
+              <a:gs pos="67188">
+                <a:srgbClr val="26aae2"/>
+              </a:gs>
+              <a:gs pos="68750">
+                <a:srgbClr val="26aae2"/>
+              </a:gs>
+              <a:gs pos="68750">
+                <a:srgbClr val="24a9e2"/>
+              </a:gs>
+              <a:gs pos="70313">
+                <a:srgbClr val="24a9e2"/>
+              </a:gs>
+              <a:gs pos="70313">
+                <a:srgbClr val="22a8e2"/>
+              </a:gs>
+              <a:gs pos="71875">
+                <a:srgbClr val="22a8e2"/>
+              </a:gs>
+              <a:gs pos="71875">
+                <a:srgbClr val="20a8e2"/>
+              </a:gs>
+              <a:gs pos="73438">
+                <a:srgbClr val="20a8e2"/>
+              </a:gs>
+              <a:gs pos="73438">
+                <a:srgbClr val="1ea7e1"/>
+              </a:gs>
+              <a:gs pos="75000">
+                <a:srgbClr val="1ea7e1"/>
+              </a:gs>
+              <a:gs pos="75000">
+                <a:srgbClr val="1ca6e1"/>
+              </a:gs>
+              <a:gs pos="76563">
+                <a:srgbClr val="1ca6e1"/>
+              </a:gs>
+              <a:gs pos="76563">
+                <a:srgbClr val="1aa5e1"/>
+              </a:gs>
+              <a:gs pos="78125">
+                <a:srgbClr val="1aa5e1"/>
+              </a:gs>
+              <a:gs pos="78125">
+                <a:srgbClr val="19a5e1"/>
+              </a:gs>
+              <a:gs pos="79688">
+                <a:srgbClr val="19a5e1"/>
+              </a:gs>
+              <a:gs pos="79688">
+                <a:srgbClr val="17a4e0"/>
+              </a:gs>
+              <a:gs pos="81250">
+                <a:srgbClr val="17a4e0"/>
+              </a:gs>
+              <a:gs pos="81250">
+                <a:srgbClr val="15a3e0"/>
+              </a:gs>
+              <a:gs pos="82813">
+                <a:srgbClr val="15a3e0"/>
+              </a:gs>
+              <a:gs pos="82813">
+                <a:srgbClr val="13a2e0"/>
+              </a:gs>
+              <a:gs pos="84375">
+                <a:srgbClr val="13a2e0"/>
+              </a:gs>
+              <a:gs pos="84375">
+                <a:srgbClr val="11a2df"/>
+              </a:gs>
+              <a:gs pos="85938">
+                <a:srgbClr val="11a2df"/>
+              </a:gs>
+              <a:gs pos="85938">
+                <a:srgbClr val="0fa1df"/>
+              </a:gs>
+              <a:gs pos="87500">
+                <a:srgbClr val="0fa1df"/>
+              </a:gs>
+              <a:gs pos="87500">
+                <a:srgbClr val="0da0df"/>
+              </a:gs>
+              <a:gs pos="89063">
+                <a:srgbClr val="0da0df"/>
+              </a:gs>
+              <a:gs pos="89063">
+                <a:srgbClr val="0b9fdf"/>
+              </a:gs>
+              <a:gs pos="90625">
+                <a:srgbClr val="0b9fdf"/>
+              </a:gs>
+              <a:gs pos="90625">
+                <a:srgbClr val="099fde"/>
+              </a:gs>
+              <a:gs pos="92188">
+                <a:srgbClr val="099fde"/>
+              </a:gs>
+              <a:gs pos="92188">
+                <a:srgbClr val="089ede"/>
+              </a:gs>
+              <a:gs pos="93750">
+                <a:srgbClr val="089ede"/>
+              </a:gs>
+              <a:gs pos="93750">
+                <a:srgbClr val="069dde"/>
+              </a:gs>
+              <a:gs pos="95313">
+                <a:srgbClr val="069dde"/>
+              </a:gs>
+              <a:gs pos="95313">
+                <a:srgbClr val="049cde"/>
+              </a:gs>
+              <a:gs pos="96875">
+                <a:srgbClr val="049cde"/>
+              </a:gs>
+              <a:gs pos="96875">
+                <a:srgbClr val="029cdd"/>
+              </a:gs>
+              <a:gs pos="98438">
+                <a:srgbClr val="029cdd"/>
+              </a:gs>
+              <a:gs pos="98438">
+                <a:srgbClr val="009bdd"/>
+              </a:gs>
+              <a:gs pos="100000">
+                <a:srgbClr val="009bdd"/>
+              </a:gs>
+            </a:gsLst>
+            <a:lin ang="10800000"/>
+          </a:gradFill>
+          <a:ln w="18000">
+            <a:noFill/>
+          </a:ln>
+          <a:effectLst>
+            <a:outerShdw blurRad="0" dir="5400000" dist="10800" rotWithShape="0">
+              <a:srgbClr val="009bdd"/>
+            </a:outerShdw>
+          </a:effectLst>
+        </p:spPr>
+        <p:style>
+          <a:lnRef idx="0"/>
+          <a:fillRef idx="0"/>
+          <a:effectRef idx="0"/>
+          <a:fontRef idx="minor"/>
+        </p:style>
+        <p:txBody>
+          <a:bodyPr wrap="none" lIns="90000" rIns="90000" tIns="45000" bIns="45000" anchor="ctr">
+            <a:noAutofit/>
+          </a:bodyPr>
+          <a:p>
+            <a:pPr>
+              <a:lnSpc>
+                <a:spcPct val="100000"/>
+              </a:lnSpc>
+            </a:pPr>
+            <a:endParaRPr b="0" lang="en-US" sz="1800" spc="-1" strike="noStrike">
+              <a:solidFill>
+                <a:srgbClr val="ffffff"/>
+              </a:solidFill>
+              <a:latin typeface="Arial"/>
+              <a:ea typeface="DejaVu Sans"/>
+            </a:endParaRPr>
+          </a:p>
+        </p:txBody>
+      </p:sp>
+      <p:sp>
+        <p:nvSpPr>
+          <p:cNvPr id="23" name=""/>
+          <p:cNvSpPr/>
+          <p:nvPr/>
+        </p:nvSpPr>
+        <p:spPr>
+          <a:xfrm>
+            <a:off x="3240" y="5040000"/>
+            <a:ext cx="10076040" cy="630720"/>
+          </a:xfrm>
+          <a:prstGeom prst="rect">
+            <a:avLst/>
+          </a:prstGeom>
+          <a:gradFill rotWithShape="0">
+            <a:gsLst>
+              <a:gs pos="0">
+                <a:srgbClr val="77caee"/>
+              </a:gs>
+              <a:gs pos="1563">
+                <a:srgbClr val="77caee"/>
+              </a:gs>
+              <a:gs pos="1563">
+                <a:srgbClr val="75c9ee"/>
+              </a:gs>
+              <a:gs pos="3125">
+                <a:srgbClr val="75c9ee"/>
+              </a:gs>
+              <a:gs pos="3125">
+                <a:srgbClr val="73c9ed"/>
+              </a:gs>
+              <a:gs pos="4688">
+                <a:srgbClr val="73c9ed"/>
+              </a:gs>
+              <a:gs pos="4688">
+                <a:srgbClr val="71c8ed"/>
+              </a:gs>
+              <a:gs pos="6250">
+                <a:srgbClr val="71c8ed"/>
+              </a:gs>
+              <a:gs pos="6250">
+                <a:srgbClr val="6fc7ed"/>
+              </a:gs>
+              <a:gs pos="7813">
+                <a:srgbClr val="6fc7ed"/>
+              </a:gs>
+              <a:gs pos="7813">
+                <a:srgbClr val="6ec6ed"/>
+              </a:gs>
+              <a:gs pos="9375">
+                <a:srgbClr val="6ec6ed"/>
+              </a:gs>
+              <a:gs pos="9375">
+                <a:srgbClr val="6cc6ec"/>
+              </a:gs>
+              <a:gs pos="10938">
+                <a:srgbClr val="6cc6ec"/>
+              </a:gs>
+              <a:gs pos="10938">
+                <a:srgbClr val="6ac5ec"/>
+              </a:gs>
+              <a:gs pos="12500">
+                <a:srgbClr val="6ac5ec"/>
+              </a:gs>
+              <a:gs pos="12500">
+                <a:srgbClr val="68c4ec"/>
+              </a:gs>
+              <a:gs pos="14063">
+                <a:srgbClr val="68c4ec"/>
+              </a:gs>
+              <a:gs pos="14063">
+                <a:srgbClr val="66c3ec"/>
+              </a:gs>
+              <a:gs pos="15625">
+                <a:srgbClr val="66c3ec"/>
+              </a:gs>
+              <a:gs pos="15625">
+                <a:srgbClr val="64c3eb"/>
+              </a:gs>
+              <a:gs pos="17188">
+                <a:srgbClr val="64c3eb"/>
+              </a:gs>
+              <a:gs pos="17188">
+                <a:srgbClr val="62c2eb"/>
+              </a:gs>
+              <a:gs pos="18750">
+                <a:srgbClr val="62c2eb"/>
+              </a:gs>
+              <a:gs pos="18750">
+                <a:srgbClr val="60c1eb"/>
+              </a:gs>
+              <a:gs pos="20313">
+                <a:srgbClr val="60c1eb"/>
+              </a:gs>
+              <a:gs pos="20313">
+                <a:srgbClr val="5ec0ea"/>
+              </a:gs>
+              <a:gs pos="21875">
+                <a:srgbClr val="5ec0ea"/>
+              </a:gs>
+              <a:gs pos="21875">
+                <a:srgbClr val="5dc0ea"/>
+              </a:gs>
+              <a:gs pos="23438">
+                <a:srgbClr val="5dc0ea"/>
+              </a:gs>
+              <a:gs pos="23438">
+                <a:srgbClr val="5bbfea"/>
+              </a:gs>
+              <a:gs pos="25000">
+                <a:srgbClr val="5bbfea"/>
+              </a:gs>
+              <a:gs pos="25000">
+                <a:srgbClr val="59beea"/>
+              </a:gs>
+              <a:gs pos="26563">
+                <a:srgbClr val="59beea"/>
+              </a:gs>
+              <a:gs pos="26563">
+                <a:srgbClr val="57bde9"/>
+              </a:gs>
+              <a:gs pos="28125">
+                <a:srgbClr val="57bde9"/>
+              </a:gs>
+              <a:gs pos="28125">
+                <a:srgbClr val="55bde9"/>
+              </a:gs>
+              <a:gs pos="29688">
+                <a:srgbClr val="55bde9"/>
+              </a:gs>
+              <a:gs pos="29688">
+                <a:srgbClr val="53bce9"/>
+              </a:gs>
+              <a:gs pos="31250">
+                <a:srgbClr val="53bce9"/>
+              </a:gs>
+              <a:gs pos="31250">
+                <a:srgbClr val="51bbe9"/>
+              </a:gs>
+              <a:gs pos="32813">
+                <a:srgbClr val="51bbe9"/>
+              </a:gs>
+              <a:gs pos="32813">
+                <a:srgbClr val="4fbae8"/>
+              </a:gs>
+              <a:gs pos="34375">
+                <a:srgbClr val="4fbae8"/>
+              </a:gs>
+              <a:gs pos="34375">
+                <a:srgbClr val="4dbae8"/>
+              </a:gs>
+              <a:gs pos="35938">
+                <a:srgbClr val="4dbae8"/>
+              </a:gs>
+              <a:gs pos="35938">
+                <a:srgbClr val="4cb9e8"/>
+              </a:gs>
+              <a:gs pos="37500">
+                <a:srgbClr val="4cb9e8"/>
+              </a:gs>
+              <a:gs pos="37500">
+                <a:srgbClr val="4ab8e8"/>
+              </a:gs>
+              <a:gs pos="39063">
+                <a:srgbClr val="4ab8e8"/>
+              </a:gs>
+              <a:gs pos="39063">
+                <a:srgbClr val="48b7e7"/>
+              </a:gs>
+              <a:gs pos="40625">
+                <a:srgbClr val="48b7e7"/>
+              </a:gs>
+              <a:gs pos="40625">
+                <a:srgbClr val="46b7e7"/>
+              </a:gs>
+              <a:gs pos="42188">
+                <a:srgbClr val="46b7e7"/>
+              </a:gs>
+              <a:gs pos="42188">
+                <a:srgbClr val="44b6e7"/>
+              </a:gs>
+              <a:gs pos="43750">
+                <a:srgbClr val="44b6e7"/>
+              </a:gs>
+              <a:gs pos="43750">
+                <a:srgbClr val="42b5e6"/>
+              </a:gs>
+              <a:gs pos="45313">
+                <a:srgbClr val="42b5e6"/>
+              </a:gs>
+              <a:gs pos="45313">
+                <a:srgbClr val="40b4e6"/>
+              </a:gs>
+              <a:gs pos="46875">
+                <a:srgbClr val="40b4e6"/>
+              </a:gs>
+              <a:gs pos="46875">
+                <a:srgbClr val="3eb4e6"/>
+              </a:gs>
+              <a:gs pos="48438">
+                <a:srgbClr val="3eb4e6"/>
+              </a:gs>
+              <a:gs pos="48438">
+                <a:srgbClr val="3cb3e6"/>
+              </a:gs>
+              <a:gs pos="50000">
+                <a:srgbClr val="3cb3e6"/>
+              </a:gs>
+              <a:gs pos="50000">
+                <a:srgbClr val="3bb2e5"/>
+              </a:gs>
+              <a:gs pos="51563">
+                <a:srgbClr val="3bb2e5"/>
+              </a:gs>
+              <a:gs pos="51563">
+                <a:srgbClr val="39b1e5"/>
+              </a:gs>
+              <a:gs pos="53125">
+                <a:srgbClr val="39b1e5"/>
+              </a:gs>
+              <a:gs pos="53125">
+                <a:srgbClr val="37b1e5"/>
+              </a:gs>
+              <a:gs pos="54688">
+                <a:srgbClr val="37b1e5"/>
+              </a:gs>
+              <a:gs pos="54688">
+                <a:srgbClr val="35b0e5"/>
+              </a:gs>
+              <a:gs pos="56250">
+                <a:srgbClr val="35b0e5"/>
+              </a:gs>
+              <a:gs pos="56250">
+                <a:srgbClr val="33afe4"/>
+              </a:gs>
+              <a:gs pos="57813">
+                <a:srgbClr val="33afe4"/>
+              </a:gs>
+              <a:gs pos="57813">
+                <a:srgbClr val="31aee4"/>
+              </a:gs>
+              <a:gs pos="59375">
+                <a:srgbClr val="31aee4"/>
+              </a:gs>
+              <a:gs pos="59375">
+                <a:srgbClr val="2faee4"/>
+              </a:gs>
+              <a:gs pos="60938">
+                <a:srgbClr val="2faee4"/>
+              </a:gs>
+              <a:gs pos="60938">
+                <a:srgbClr val="2dade3"/>
+              </a:gs>
+              <a:gs pos="62500">
+                <a:srgbClr val="2dade3"/>
+              </a:gs>
+              <a:gs pos="62500">
+                <a:srgbClr val="2bace3"/>
+              </a:gs>
+              <a:gs pos="64063">
+                <a:srgbClr val="2bace3"/>
+              </a:gs>
+              <a:gs pos="64063">
+                <a:srgbClr val="2aabe3"/>
+              </a:gs>
+              <a:gs pos="65625">
+                <a:srgbClr val="2aabe3"/>
+              </a:gs>
+              <a:gs pos="65625">
+                <a:srgbClr val="28abe3"/>
+              </a:gs>
+              <a:gs pos="67188">
+                <a:srgbClr val="28abe3"/>
+              </a:gs>
+              <a:gs pos="67188">
+                <a:srgbClr val="26aae2"/>
+              </a:gs>
+              <a:gs pos="68750">
+                <a:srgbClr val="26aae2"/>
+              </a:gs>
+              <a:gs pos="68750">
+                <a:srgbClr val="24a9e2"/>
+              </a:gs>
+              <a:gs pos="70313">
+                <a:srgbClr val="24a9e2"/>
+              </a:gs>
+              <a:gs pos="70313">
+                <a:srgbClr val="22a8e2"/>
+              </a:gs>
+              <a:gs pos="71875">
+                <a:srgbClr val="22a8e2"/>
+              </a:gs>
+              <a:gs pos="71875">
+                <a:srgbClr val="20a8e2"/>
+              </a:gs>
+              <a:gs pos="73438">
+                <a:srgbClr val="20a8e2"/>
+              </a:gs>
+              <a:gs pos="73438">
+                <a:srgbClr val="1ea7e1"/>
+              </a:gs>
+              <a:gs pos="75000">
+                <a:srgbClr val="1ea7e1"/>
+              </a:gs>
+              <a:gs pos="75000">
+                <a:srgbClr val="1ca6e1"/>
+              </a:gs>
+              <a:gs pos="76563">
+                <a:srgbClr val="1ca6e1"/>
+              </a:gs>
+              <a:gs pos="76563">
+                <a:srgbClr val="1aa5e1"/>
+              </a:gs>
+              <a:gs pos="78125">
+                <a:srgbClr val="1aa5e1"/>
+              </a:gs>
+              <a:gs pos="78125">
+                <a:srgbClr val="19a5e1"/>
+              </a:gs>
+              <a:gs pos="79688">
+                <a:srgbClr val="19a5e1"/>
+              </a:gs>
+              <a:gs pos="79688">
+                <a:srgbClr val="17a4e0"/>
+              </a:gs>
+              <a:gs pos="81250">
+                <a:srgbClr val="17a4e0"/>
+              </a:gs>
+              <a:gs pos="81250">
+                <a:srgbClr val="15a3e0"/>
+              </a:gs>
+              <a:gs pos="82813">
+                <a:srgbClr val="15a3e0"/>
+              </a:gs>
+              <a:gs pos="82813">
+                <a:srgbClr val="13a2e0"/>
+              </a:gs>
+              <a:gs pos="84375">
+                <a:srgbClr val="13a2e0"/>
+              </a:gs>
+              <a:gs pos="84375">
+                <a:srgbClr val="11a2df"/>
+              </a:gs>
+              <a:gs pos="85938">
+                <a:srgbClr val="11a2df"/>
+              </a:gs>
+              <a:gs pos="85938">
+                <a:srgbClr val="0fa1df"/>
+              </a:gs>
+              <a:gs pos="87500">
+                <a:srgbClr val="0fa1df"/>
+              </a:gs>
+              <a:gs pos="87500">
+                <a:srgbClr val="0da0df"/>
+              </a:gs>
+              <a:gs pos="89063">
+                <a:srgbClr val="0da0df"/>
+              </a:gs>
+              <a:gs pos="89063">
+                <a:srgbClr val="0b9fdf"/>
+              </a:gs>
+              <a:gs pos="90625">
+                <a:srgbClr val="0b9fdf"/>
+              </a:gs>
+              <a:gs pos="90625">
+                <a:srgbClr val="099fde"/>
+              </a:gs>
+              <a:gs pos="92188">
+                <a:srgbClr val="099fde"/>
+              </a:gs>
+              <a:gs pos="92188">
+                <a:srgbClr val="089ede"/>
+              </a:gs>
+              <a:gs pos="93750">
+                <a:srgbClr val="089ede"/>
+              </a:gs>
+              <a:gs pos="93750">
+                <a:srgbClr val="069dde"/>
+              </a:gs>
+              <a:gs pos="95313">
+                <a:srgbClr val="069dde"/>
+              </a:gs>
+              <a:gs pos="95313">
+                <a:srgbClr val="049cde"/>
+              </a:gs>
+              <a:gs pos="96875">
+                <a:srgbClr val="049cde"/>
+              </a:gs>
+              <a:gs pos="96875">
+                <a:srgbClr val="029cdd"/>
+              </a:gs>
+              <a:gs pos="98438">
+                <a:srgbClr val="029cdd"/>
+              </a:gs>
+              <a:gs pos="98438">
+                <a:srgbClr val="009bdd"/>
+              </a:gs>
+              <a:gs pos="100000">
+                <a:srgbClr val="009bdd"/>
+              </a:gs>
+            </a:gsLst>
+            <a:lin ang="10800000"/>
+          </a:gradFill>
+          <a:ln w="18000">
+            <a:noFill/>
+          </a:ln>
+          <a:effectLst>
+            <a:outerShdw blurRad="0" dir="5400000" dist="10800" rotWithShape="0">
+              <a:srgbClr val="009bdd"/>
+            </a:outerShdw>
+          </a:effectLst>
+        </p:spPr>
+        <p:style>
+          <a:lnRef idx="0"/>
+          <a:fillRef idx="0"/>
+          <a:effectRef idx="0"/>
+          <a:fontRef idx="minor"/>
+        </p:style>
+        <p:txBody>
+          <a:bodyPr wrap="none" lIns="90000" rIns="90000" tIns="45000" bIns="45000" anchor="ctr">
+            <a:noAutofit/>
+          </a:bodyPr>
+          <a:p>
+            <a:pPr>
+              <a:lnSpc>
+                <a:spcPct val="100000"/>
+              </a:lnSpc>
+            </a:pPr>
+            <a:endParaRPr b="0" lang="en-US" sz="1800" spc="-1" strike="noStrike">
+              <a:solidFill>
+                <a:srgbClr val="ffffff"/>
+              </a:solidFill>
+              <a:latin typeface="Arial"/>
+              <a:ea typeface="DejaVu Sans"/>
+            </a:endParaRPr>
+          </a:p>
+        </p:txBody>
+      </p:sp>
+      <p:sp>
+        <p:nvSpPr>
+          <p:cNvPr id="24" name="PlaceHolder 1"/>
+          <p:cNvSpPr>
+            <a:spLocks noGrp="1"/>
+          </p:cNvSpPr>
+          <p:nvPr>
+            <p:ph type="title"/>
+          </p:nvPr>
+        </p:nvSpPr>
+        <p:spPr>
+          <a:xfrm>
+            <a:off x="360000" y="106200"/>
+            <a:ext cx="9359280" cy="624960"/>
+          </a:xfrm>
+          <a:prstGeom prst="rect">
+            <a:avLst/>
+          </a:prstGeom>
+          <a:noFill/>
+          <a:ln w="0">
+            <a:noFill/>
+          </a:ln>
+        </p:spPr>
+        <p:txBody>
+          <a:bodyPr lIns="0" rIns="0" tIns="0" bIns="0" anchor="ctr">
+            <a:noAutofit/>
+          </a:bodyPr>
+          <a:p>
+            <a:pPr indent="0">
+              <a:buNone/>
+            </a:pPr>
+            <a:r>
+              <a:rPr b="0" lang="en-US" sz="1800" spc="-1" strike="noStrike">
+                <a:solidFill>
+                  <a:srgbClr val="000000"/>
+                </a:solidFill>
+                <a:latin typeface="Arial"/>
+              </a:rPr>
+              <a:t>Click to edit the title text format</a:t>
+            </a:r>
+            <a:endParaRPr b="0" lang="en-US" sz="1800" spc="-1" strike="noStrike">
+              <a:solidFill>
+                <a:srgbClr val="000000"/>
+              </a:solidFill>
+              <a:latin typeface="Arial"/>
+            </a:endParaRPr>
+          </a:p>
+        </p:txBody>
+      </p:sp>
+      <p:sp>
+        <p:nvSpPr>
+          <p:cNvPr id="25" name="PlaceHolder 2"/>
+          <p:cNvSpPr>
+            <a:spLocks noGrp="1"/>
+          </p:cNvSpPr>
+          <p:nvPr>
+            <p:ph type="body"/>
+          </p:nvPr>
+        </p:nvSpPr>
+        <p:spPr>
+          <a:xfrm>
+            <a:off x="360000" y="1080000"/>
+            <a:ext cx="9359280" cy="3599280"/>
+          </a:xfrm>
+          <a:prstGeom prst="rect">
+            <a:avLst/>
+          </a:prstGeom>
+          <a:noFill/>
+          <a:ln w="0">
+            <a:noFill/>
+          </a:ln>
+        </p:spPr>
+        <p:txBody>
+          <a:bodyPr lIns="0" rIns="0" tIns="0" bIns="0" anchor="t">
+            <a:normAutofit/>
+          </a:bodyPr>
+          <a:p>
+            <a:pPr marL="432000" indent="-324000">
+              <a:spcBef>
+                <a:spcPts val="1417"/>
+              </a:spcBef>
+              <a:buClr>
+                <a:srgbClr val="000000"/>
+              </a:buClr>
+              <a:buSzPct val="45000"/>
+              <a:buFont typeface="Wingdings" charset="2"/>
+              <a:buChar char=""/>
+            </a:pPr>
+            <a:r>
+              <a:rPr b="0" lang="en-US" sz="1800" spc="-1" strike="noStrike">
+                <a:solidFill>
+                  <a:srgbClr val="000000"/>
+                </a:solidFill>
+                <a:latin typeface="Arial"/>
+              </a:rPr>
+              <a:t>Click to edit the outline text format</a:t>
+            </a:r>
+            <a:endParaRPr b="0" lang="en-US" sz="1800" spc="-1" strike="noStrike">
+              <a:solidFill>
+                <a:srgbClr val="000000"/>
+              </a:solidFill>
+              <a:latin typeface="Arial"/>
+            </a:endParaRPr>
+          </a:p>
+          <a:p>
+            <a:pPr lvl="1" marL="864000" indent="-324000">
+              <a:spcBef>
+                <a:spcPts val="1134"/>
+              </a:spcBef>
+              <a:buClr>
+                <a:srgbClr val="000000"/>
+              </a:buClr>
+              <a:buSzPct val="75000"/>
+              <a:buFont typeface="Symbol" charset="2"/>
+              <a:buChar char=""/>
+            </a:pPr>
+            <a:r>
+              <a:rPr b="0" lang="en-US" sz="1800" spc="-1" strike="noStrike">
+                <a:solidFill>
+                  <a:srgbClr val="000000"/>
+                </a:solidFill>
+                <a:latin typeface="Arial"/>
+              </a:rPr>
+              <a:t>Second Outline Level</a:t>
+            </a:r>
+            <a:endParaRPr b="0" lang="en-US" sz="1800" spc="-1" strike="noStrike">
+              <a:solidFill>
+                <a:srgbClr val="000000"/>
+              </a:solidFill>
+              <a:latin typeface="Arial"/>
+            </a:endParaRPr>
+          </a:p>
+          <a:p>
+            <a:pPr lvl="2" marL="1296000" indent="-288000">
+              <a:spcBef>
+                <a:spcPts val="850"/>
+              </a:spcBef>
+              <a:buClr>
+                <a:srgbClr val="000000"/>
+              </a:buClr>
+              <a:buSzPct val="45000"/>
+              <a:buFont typeface="Wingdings" charset="2"/>
+              <a:buChar char=""/>
+            </a:pPr>
+            <a:r>
+              <a:rPr b="0" lang="en-US" sz="1800" spc="-1" strike="noStrike">
+                <a:solidFill>
+                  <a:srgbClr val="000000"/>
+                </a:solidFill>
+                <a:latin typeface="Arial"/>
+              </a:rPr>
+              <a:t>Third Outline Level</a:t>
+            </a:r>
+            <a:endParaRPr b="0" lang="en-US" sz="1800" spc="-1" strike="noStrike">
+              <a:solidFill>
+                <a:srgbClr val="000000"/>
+              </a:solidFill>
+              <a:latin typeface="Arial"/>
+            </a:endParaRPr>
+          </a:p>
+          <a:p>
+            <a:pPr lvl="3" marL="1728000" indent="-216000">
+              <a:spcBef>
+                <a:spcPts val="567"/>
+              </a:spcBef>
+              <a:buClr>
+                <a:srgbClr val="000000"/>
+              </a:buClr>
+              <a:buSzPct val="75000"/>
+              <a:buFont typeface="Symbol" charset="2"/>
+              <a:buChar char=""/>
+            </a:pPr>
+            <a:r>
+              <a:rPr b="0" lang="en-US" sz="1800" spc="-1" strike="noStrike">
+                <a:solidFill>
+                  <a:srgbClr val="000000"/>
+                </a:solidFill>
+                <a:latin typeface="Arial"/>
+              </a:rPr>
+              <a:t>Fourth Outline Level</a:t>
+            </a:r>
+            <a:endParaRPr b="0" lang="en-US" sz="1800" spc="-1" strike="noStrike">
+              <a:solidFill>
+                <a:srgbClr val="000000"/>
+              </a:solidFill>
+              <a:latin typeface="Arial"/>
+            </a:endParaRPr>
+          </a:p>
+          <a:p>
+            <a:pPr lvl="4" marL="2160000" indent="-216000">
+              <a:spcBef>
+                <a:spcPts val="283"/>
+              </a:spcBef>
+              <a:buClr>
+                <a:srgbClr val="000000"/>
+              </a:buClr>
+              <a:buSzPct val="45000"/>
+              <a:buFont typeface="Wingdings" charset="2"/>
+              <a:buChar char=""/>
+            </a:pPr>
+            <a:r>
+              <a:rPr b="0" lang="en-US" sz="1800" spc="-1" strike="noStrike">
+                <a:solidFill>
+                  <a:srgbClr val="000000"/>
+                </a:solidFill>
+                <a:latin typeface="Arial"/>
+              </a:rPr>
+              <a:t>Fifth Outline Level</a:t>
+            </a:r>
+            <a:endParaRPr b="0" lang="en-US" sz="1800" spc="-1" strike="noStrike">
+              <a:solidFill>
+                <a:srgbClr val="000000"/>
+              </a:solidFill>
+              <a:latin typeface="Arial"/>
+            </a:endParaRPr>
+          </a:p>
+          <a:p>
+            <a:pPr lvl="5" marL="2592000" indent="-216000">
+              <a:spcBef>
+                <a:spcPts val="283"/>
+              </a:spcBef>
+              <a:buClr>
+                <a:srgbClr val="000000"/>
+              </a:buClr>
+              <a:buSzPct val="45000"/>
+              <a:buFont typeface="Wingdings" charset="2"/>
+              <a:buChar char=""/>
+            </a:pPr>
+            <a:r>
+              <a:rPr b="0" lang="en-US" sz="1800" spc="-1" strike="noStrike">
+                <a:solidFill>
+                  <a:srgbClr val="000000"/>
+                </a:solidFill>
+                <a:latin typeface="Arial"/>
+              </a:rPr>
+              <a:t>Sixth Outline Level</a:t>
+            </a:r>
+            <a:endParaRPr b="0" lang="en-US" sz="1800" spc="-1" strike="noStrike">
+              <a:solidFill>
+                <a:srgbClr val="000000"/>
+              </a:solidFill>
+              <a:latin typeface="Arial"/>
+            </a:endParaRPr>
+          </a:p>
+          <a:p>
+            <a:pPr lvl="6" marL="3024000" indent="-216000">
+              <a:spcBef>
+                <a:spcPts val="283"/>
+              </a:spcBef>
+              <a:buClr>
+                <a:srgbClr val="000000"/>
+              </a:buClr>
+              <a:buSzPct val="45000"/>
+              <a:buFont typeface="Wingdings" charset="2"/>
+              <a:buChar char=""/>
+            </a:pPr>
+            <a:r>
+              <a:rPr b="0" lang="en-US" sz="1800" spc="-1" strike="noStrike">
+                <a:solidFill>
+                  <a:srgbClr val="000000"/>
+                </a:solidFill>
+                <a:latin typeface="Arial"/>
+              </a:rPr>
+              <a:t>Seventh Outline Level</a:t>
+            </a:r>
+            <a:endParaRPr b="0" lang="en-US" sz="1800" spc="-1" strike="noStrike">
+              <a:solidFill>
+                <a:srgbClr val="000000"/>
+              </a:solidFill>
+              <a:latin typeface="Arial"/>
+            </a:endParaRPr>
+          </a:p>
+        </p:txBody>
+      </p:sp>
+      <p:sp>
+        <p:nvSpPr>
+          <p:cNvPr id="26" name="PlaceHolder 3"/>
+          <p:cNvSpPr>
+            <a:spLocks noGrp="1"/>
+          </p:cNvSpPr>
+          <p:nvPr>
+            <p:ph type="ftr" idx="10"/>
+          </p:nvPr>
+        </p:nvSpPr>
+        <p:spPr>
+          <a:xfrm>
+            <a:off x="3420000" y="5220000"/>
+            <a:ext cx="3239280" cy="359280"/>
+          </a:xfrm>
+          <a:prstGeom prst="rect">
+            <a:avLst/>
+          </a:prstGeom>
+          <a:noFill/>
+          <a:ln w="0">
+            <a:noFill/>
+          </a:ln>
+        </p:spPr>
+        <p:txBody>
+          <a:bodyPr lIns="0" rIns="0" tIns="0" bIns="0" anchor="t">
+            <a:noAutofit/>
+          </a:bodyPr>
+          <a:lstStyle>
+            <a:lvl1pPr indent="0" algn="ctr">
+              <a:lnSpc>
+                <a:spcPct val="100000"/>
+              </a:lnSpc>
+              <a:buNone/>
+              <a:tabLst>
+                <a:tab algn="l" pos="0"/>
+              </a:tabLst>
+              <a:defRPr b="0" lang="en-US" sz="1400" spc="-1" strike="noStrike">
+                <a:solidFill>
+                  <a:srgbClr val="ffffff"/>
+                </a:solidFill>
+                <a:latin typeface="Arial"/>
+              </a:defRPr>
+            </a:lvl1pPr>
+          </a:lstStyle>
+          <a:p>
+            <a:pPr indent="0" algn="ctr">
+              <a:lnSpc>
+                <a:spcPct val="100000"/>
+              </a:lnSpc>
+              <a:buNone/>
+              <a:tabLst>
+                <a:tab algn="l" pos="0"/>
+              </a:tabLst>
+            </a:pPr>
+            <a:r>
+              <a:rPr b="0" lang="en-US" sz="1400" spc="-1" strike="noStrike">
+                <a:solidFill>
+                  <a:srgbClr val="ffffff"/>
+                </a:solidFill>
+                <a:latin typeface="Arial"/>
+              </a:rPr>
+              <a:t>&lt;footer&gt;</a:t>
+            </a:r>
+            <a:endParaRPr b="0" lang="en-US" sz="1400" spc="-1" strike="noStrike">
+              <a:solidFill>
+                <a:srgbClr val="000000"/>
+              </a:solidFill>
+              <a:latin typeface="Times New Roman"/>
+            </a:endParaRPr>
+          </a:p>
+        </p:txBody>
+      </p:sp>
+      <p:sp>
+        <p:nvSpPr>
+          <p:cNvPr id="27" name="PlaceHolder 4"/>
+          <p:cNvSpPr>
+            <a:spLocks noGrp="1"/>
+          </p:cNvSpPr>
+          <p:nvPr>
+            <p:ph type="sldNum" idx="11"/>
+          </p:nvPr>
+        </p:nvSpPr>
+        <p:spPr>
+          <a:xfrm>
+            <a:off x="7380000" y="5220000"/>
+            <a:ext cx="2339280" cy="359280"/>
+          </a:xfrm>
+          <a:prstGeom prst="rect">
+            <a:avLst/>
+          </a:prstGeom>
+          <a:noFill/>
+          <a:ln w="0">
+            <a:noFill/>
+          </a:ln>
+        </p:spPr>
+        <p:txBody>
+          <a:bodyPr lIns="0" rIns="0" tIns="0" bIns="0" anchor="t">
+            <a:noAutofit/>
+          </a:bodyPr>
+          <a:lstStyle>
+            <a:lvl1pPr indent="0" algn="r">
+              <a:lnSpc>
+                <a:spcPct val="100000"/>
+              </a:lnSpc>
+              <a:buNone/>
+              <a:tabLst>
+                <a:tab algn="l" pos="0"/>
+              </a:tabLst>
+              <a:defRPr b="0" lang="en-US" sz="1400" spc="-1" strike="noStrike">
+                <a:solidFill>
+                  <a:srgbClr val="ffffff"/>
+                </a:solidFill>
+                <a:latin typeface="Arial"/>
+              </a:defRPr>
+            </a:lvl1pPr>
+          </a:lstStyle>
+          <a:p>
+            <a:pPr indent="0" algn="r">
+              <a:lnSpc>
+                <a:spcPct val="100000"/>
+              </a:lnSpc>
+              <a:buNone/>
+              <a:tabLst>
+                <a:tab algn="l" pos="0"/>
+              </a:tabLst>
+            </a:pPr>
+            <a:fld id="{79212829-5B74-4E70-A778-E5104154DEFD}" type="slidenum">
+              <a:rPr b="0" lang="en-US" sz="1400" spc="-1" strike="noStrike">
+                <a:solidFill>
+                  <a:srgbClr val="ffffff"/>
+                </a:solidFill>
+                <a:latin typeface="Arial"/>
+              </a:rPr>
+              <a:t>&lt;number&gt;</a:t>
+            </a:fld>
+            <a:endParaRPr b="0" lang="en-US" sz="1400" spc="-1" strike="noStrike">
+              <a:solidFill>
+                <a:srgbClr val="000000"/>
+              </a:solidFill>
+              <a:latin typeface="Times New Roman"/>
+            </a:endParaRPr>
+          </a:p>
+        </p:txBody>
+      </p:sp>
+      <p:sp>
+        <p:nvSpPr>
+          <p:cNvPr id="28" name="PlaceHolder 5"/>
+          <p:cNvSpPr>
+            <a:spLocks noGrp="1"/>
+          </p:cNvSpPr>
+          <p:nvPr>
+            <p:ph type="dt" idx="12"/>
+          </p:nvPr>
+        </p:nvSpPr>
+        <p:spPr>
+          <a:xfrm>
+            <a:off x="360000" y="5220000"/>
+            <a:ext cx="2339280" cy="359280"/>
+          </a:xfrm>
+          <a:prstGeom prst="rect">
+            <a:avLst/>
+          </a:prstGeom>
+          <a:noFill/>
+          <a:ln w="0">
+            <a:noFill/>
+          </a:ln>
+        </p:spPr>
+        <p:txBody>
+          <a:bodyPr lIns="0" rIns="0" tIns="0" bIns="0" anchor="t">
+            <a:noAutofit/>
+          </a:bodyPr>
+          <a:lstStyle>
+            <a:lvl1pPr indent="0">
+              <a:buNone/>
+              <a:defRPr b="0" lang="en-US" sz="1400" spc="-1" strike="noStrike">
+                <a:solidFill>
+                  <a:srgbClr val="000000"/>
+                </a:solidFill>
+                <a:latin typeface="Times New Roman"/>
+              </a:defRPr>
+            </a:lvl1pPr>
+          </a:lstStyle>
+          <a:p>
+            <a:pPr indent="0">
+              <a:buNone/>
+            </a:pPr>
+            <a:r>
+              <a:rPr b="0" lang="en-US" sz="1400" spc="-1" strike="noStrike">
+                <a:solidFill>
+                  <a:srgbClr val="000000"/>
+                </a:solidFill>
+                <a:latin typeface="Times New Roman"/>
+              </a:rPr>
+              <a:t>&lt;date/time&gt;</a:t>
+            </a:r>
+            <a:endParaRPr b="0" lang="en-US" sz="1400" spc="-1" strike="noStrike">
+              <a:solidFill>
+                <a:srgbClr val="000000"/>
+              </a:solidFill>
+              <a:latin typeface="Times New Roman"/>
+            </a:endParaRPr>
+          </a:p>
+        </p:txBody>
+      </p:sp>
+    </p:spTree>
+  </p:cSld>
+  <p:clrMap bg1="lt1" bg2="lt2" tx1="dk1" tx2="dk2" accent1="accent1" accent2="accent2" accent3="accent3" accent4="accent4" accent5="accent5" accent6="accent6" hlink="hlink" folHlink="folHlink"/>
+  <p:sldLayoutIdLst>
+    <p:sldLayoutId id="2147483655" r:id="rId2"/>
   </p:sldLayoutIdLst>
 </p:sldMaster>
 </file>
@@ -3757,7 +5226,7 @@
       </p:grpSpPr>
       <p:sp>
         <p:nvSpPr>
-          <p:cNvPr id="24" name="PlaceHolder 1"/>
+          <p:cNvPr id="31" name="PlaceHolder 1"/>
           <p:cNvSpPr>
             <a:spLocks noGrp="1"/>
           </p:cNvSpPr>
@@ -3768,7 +5237,7 @@
         <p:spPr>
           <a:xfrm>
             <a:off x="0" y="1620000"/>
-            <a:ext cx="8999640" cy="1079640"/>
+            <a:ext cx="8999280" cy="1079280"/>
           </a:xfrm>
           <a:prstGeom prst="rect">
             <a:avLst/>
@@ -3825,6 +5294,380 @@
               </a:solidFill>
               <a:latin typeface="Arial"/>
             </a:endParaRPr>
+          </a:p>
+        </p:txBody>
+      </p:sp>
+    </p:spTree>
+  </p:cSld>
+  <mc:AlternateContent>
+    <mc:Choice Requires="p14">
+      <p:transition spd="slow" p14:dur="2000"/>
+    </mc:Choice>
+    <mc:Fallback>
+      <p:transition spd="slow"/>
+    </mc:Fallback>
+  </mc:AlternateContent>
+</p:sld>
+</file>
+
+<file path=ppt/slides/slide10.xml><?xml version="1.0" encoding="utf-8"?>
+<p:sld xmlns:a="http://schemas.openxmlformats.org/drawingml/2006/main" xmlns:p="http://schemas.openxmlformats.org/presentationml/2006/main" xmlns:r="http://schemas.openxmlformats.org/officeDocument/2006/relationships" xmlns:p14="http://schemas.microsoft.com/office/powerpoint/2010/main" xmlns:p15="http://schemas.microsoft.com/office/powerpoint/2012/main" xmlns:mc="http://schemas.openxmlformats.org/markup-compatibility/2006">
+  <p:cSld>
+    <p:spTree>
+      <p:nvGrpSpPr>
+        <p:cNvPr id="1" name=""/>
+        <p:cNvGrpSpPr/>
+        <p:nvPr/>
+      </p:nvGrpSpPr>
+      <p:grpSpPr>
+        <a:xfrm>
+          <a:off x="0" y="0"/>
+          <a:ext cx="0" cy="0"/>
+          <a:chOff x="0" y="0"/>
+          <a:chExt cx="0" cy="0"/>
+        </a:xfrm>
+      </p:grpSpPr>
+      <p:sp>
+        <p:nvSpPr>
+          <p:cNvPr id="45" name="PlaceHolder 1"/>
+          <p:cNvSpPr>
+            <a:spLocks noGrp="1"/>
+          </p:cNvSpPr>
+          <p:nvPr>
+            <p:ph type="title"/>
+          </p:nvPr>
+        </p:nvSpPr>
+        <p:spPr>
+          <a:xfrm>
+            <a:off x="360000" y="106200"/>
+            <a:ext cx="9359280" cy="624960"/>
+          </a:xfrm>
+          <a:prstGeom prst="rect">
+            <a:avLst/>
+          </a:prstGeom>
+          <a:noFill/>
+          <a:ln w="0">
+            <a:noFill/>
+          </a:ln>
+        </p:spPr>
+        <p:txBody>
+          <a:bodyPr lIns="0" rIns="0" tIns="0" bIns="0" anchor="ctr">
+            <a:noAutofit/>
+          </a:bodyPr>
+          <a:p>
+            <a:pPr indent="0" algn="ctr">
+              <a:lnSpc>
+                <a:spcPct val="100000"/>
+              </a:lnSpc>
+              <a:buNone/>
+              <a:tabLst>
+                <a:tab algn="l" pos="0"/>
+              </a:tabLst>
+            </a:pPr>
+            <a:r>
+              <a:rPr b="0" lang="en-US" sz="4400" spc="-1" strike="noStrike">
+                <a:solidFill>
+                  <a:srgbClr val="000000"/>
+                </a:solidFill>
+                <a:latin typeface="Arial"/>
+              </a:rPr>
+              <a:t>Запуск документации</a:t>
+            </a:r>
+            <a:endParaRPr b="0" lang="en-US" sz="4400" spc="-1" strike="noStrike">
+              <a:solidFill>
+                <a:srgbClr val="000000"/>
+              </a:solidFill>
+              <a:latin typeface="Arial"/>
+            </a:endParaRPr>
+          </a:p>
+        </p:txBody>
+      </p:sp>
+      <p:sp>
+        <p:nvSpPr>
+          <p:cNvPr id="46" name="PlaceHolder 2"/>
+          <p:cNvSpPr>
+            <a:spLocks noGrp="1"/>
+          </p:cNvSpPr>
+          <p:nvPr>
+            <p:ph/>
+          </p:nvPr>
+        </p:nvSpPr>
+        <p:spPr>
+          <a:xfrm>
+            <a:off x="360000" y="1080000"/>
+            <a:ext cx="9359280" cy="3599280"/>
+          </a:xfrm>
+          <a:prstGeom prst="rect">
+            <a:avLst/>
+          </a:prstGeom>
+          <a:noFill/>
+          <a:ln w="0">
+            <a:noFill/>
+          </a:ln>
+        </p:spPr>
+        <p:txBody>
+          <a:bodyPr lIns="0" rIns="0" tIns="0" bIns="0" anchor="t">
+            <a:normAutofit/>
+          </a:bodyPr>
+          <a:p>
+            <a:pPr marL="432000" indent="-324000">
+              <a:lnSpc>
+                <a:spcPct val="100000"/>
+              </a:lnSpc>
+              <a:spcBef>
+                <a:spcPts val="1417"/>
+              </a:spcBef>
+              <a:buClr>
+                <a:srgbClr val="000000"/>
+              </a:buClr>
+              <a:buSzPct val="45000"/>
+              <a:buFont typeface="Wingdings" charset="2"/>
+              <a:buChar char=""/>
+            </a:pPr>
+            <a:r>
+              <a:rPr b="0" lang="en-US" sz="3200" spc="-1" strike="noStrike">
+                <a:solidFill>
+                  <a:srgbClr val="000000"/>
+                </a:solidFill>
+                <a:latin typeface="Arial"/>
+              </a:rPr>
+              <a:t> </a:t>
+            </a:r>
+            <a:r>
+              <a:rPr b="0" lang="en-US" sz="3200" spc="-1" strike="noStrike">
+                <a:solidFill>
+                  <a:srgbClr val="000000"/>
+                </a:solidFill>
+                <a:latin typeface="Arial"/>
+              </a:rPr>
+              <a:t>firefox doc/index.html</a:t>
+            </a:r>
+            <a:endParaRPr b="0" lang="en-US" sz="3200" spc="-1" strike="noStrike">
+              <a:solidFill>
+                <a:srgbClr val="000000"/>
+              </a:solidFill>
+              <a:latin typeface="Arial"/>
+            </a:endParaRPr>
+          </a:p>
+        </p:txBody>
+      </p:sp>
+      <p:pic>
+        <p:nvPicPr>
+          <p:cNvPr id="47" name="" descr=""/>
+          <p:cNvPicPr/>
+          <p:nvPr/>
+        </p:nvPicPr>
+        <p:blipFill>
+          <a:blip r:embed="rId1"/>
+          <a:stretch/>
+        </p:blipFill>
+        <p:spPr>
+          <a:xfrm>
+            <a:off x="0" y="1533960"/>
+            <a:ext cx="8915040" cy="4136400"/>
+          </a:xfrm>
+          <a:prstGeom prst="rect">
+            <a:avLst/>
+          </a:prstGeom>
+          <a:ln w="0">
+            <a:noFill/>
+          </a:ln>
+        </p:spPr>
+      </p:pic>
+      <p:sp>
+        <p:nvSpPr>
+          <p:cNvPr id="4" name="PlaceHolder 3"/>
+          <p:cNvSpPr>
+            <a:spLocks noGrp="1"/>
+          </p:cNvSpPr>
+          <p:nvPr>
+            <p:ph type="sldNum" idx="11"/>
+          </p:nvPr>
+        </p:nvSpPr>
+        <p:spPr/>
+        <p:txBody>
+          <a:bodyPr/>
+          <a:p>
+            <a:fld id="{89D59745-5CEC-4DF4-B01C-8ABBDB83416A}" type="slidenum">
+              <a:t>10</a:t>
+            </a:fld>
+          </a:p>
+        </p:txBody>
+      </p:sp>
+    </p:spTree>
+  </p:cSld>
+  <mc:AlternateContent>
+    <mc:Choice Requires="p14">
+      <p:transition spd="slow" p14:dur="2000"/>
+    </mc:Choice>
+    <mc:Fallback>
+      <p:transition spd="slow"/>
+    </mc:Fallback>
+  </mc:AlternateContent>
+</p:sld>
+</file>
+
+<file path=ppt/slides/slide11.xml><?xml version="1.0" encoding="utf-8"?>
+<p:sld xmlns:a="http://schemas.openxmlformats.org/drawingml/2006/main" xmlns:p="http://schemas.openxmlformats.org/presentationml/2006/main" xmlns:r="http://schemas.openxmlformats.org/officeDocument/2006/relationships" xmlns:p14="http://schemas.microsoft.com/office/powerpoint/2010/main" xmlns:p15="http://schemas.microsoft.com/office/powerpoint/2012/main" xmlns:mc="http://schemas.openxmlformats.org/markup-compatibility/2006">
+  <p:cSld>
+    <p:spTree>
+      <p:nvGrpSpPr>
+        <p:cNvPr id="1" name=""/>
+        <p:cNvGrpSpPr/>
+        <p:nvPr/>
+      </p:nvGrpSpPr>
+      <p:grpSpPr>
+        <a:xfrm>
+          <a:off x="0" y="0"/>
+          <a:ext cx="0" cy="0"/>
+          <a:chOff x="0" y="0"/>
+          <a:chExt cx="0" cy="0"/>
+        </a:xfrm>
+      </p:grpSpPr>
+      <p:sp>
+        <p:nvSpPr>
+          <p:cNvPr id="48" name="PlaceHolder 1"/>
+          <p:cNvSpPr>
+            <a:spLocks noGrp="1"/>
+          </p:cNvSpPr>
+          <p:nvPr>
+            <p:ph type="title"/>
+          </p:nvPr>
+        </p:nvSpPr>
+        <p:spPr>
+          <a:xfrm>
+            <a:off x="360000" y="180000"/>
+            <a:ext cx="9359280" cy="477360"/>
+          </a:xfrm>
+          <a:prstGeom prst="rect">
+            <a:avLst/>
+          </a:prstGeom>
+          <a:noFill/>
+          <a:ln w="0">
+            <a:noFill/>
+          </a:ln>
+        </p:spPr>
+        <p:txBody>
+          <a:bodyPr lIns="0" rIns="0" tIns="0" bIns="0" anchor="ctr">
+            <a:noAutofit/>
+          </a:bodyPr>
+          <a:p>
+            <a:pPr indent="0" algn="ctr">
+              <a:lnSpc>
+                <a:spcPct val="100000"/>
+              </a:lnSpc>
+              <a:spcBef>
+                <a:spcPts val="1191"/>
+              </a:spcBef>
+              <a:spcAft>
+                <a:spcPts val="992"/>
+              </a:spcAft>
+              <a:buNone/>
+              <a:tabLst>
+                <a:tab algn="l" pos="0"/>
+              </a:tabLst>
+            </a:pPr>
+            <a:r>
+              <a:rPr b="1" lang="en-US" sz="2800" spc="-1" strike="noStrike">
+                <a:solidFill>
+                  <a:srgbClr val="ffffff"/>
+                </a:solidFill>
+                <a:latin typeface="Arial"/>
+              </a:rPr>
+              <a:t>Заключение</a:t>
+            </a:r>
+            <a:br>
+              <a:rPr sz="2800"/>
+            </a:br>
+            <a:endParaRPr b="0" lang="en-US" sz="2800" spc="-1" strike="noStrike">
+              <a:solidFill>
+                <a:srgbClr val="000000"/>
+              </a:solidFill>
+              <a:latin typeface="Arial"/>
+            </a:endParaRPr>
+          </a:p>
+        </p:txBody>
+      </p:sp>
+      <p:sp>
+        <p:nvSpPr>
+          <p:cNvPr id="49" name="PlaceHolder 2"/>
+          <p:cNvSpPr>
+            <a:spLocks noGrp="1"/>
+          </p:cNvSpPr>
+          <p:nvPr>
+            <p:ph/>
+          </p:nvPr>
+        </p:nvSpPr>
+        <p:spPr>
+          <a:xfrm>
+            <a:off x="360000" y="1080000"/>
+            <a:ext cx="9359280" cy="3599280"/>
+          </a:xfrm>
+          <a:prstGeom prst="rect">
+            <a:avLst/>
+          </a:prstGeom>
+          <a:noFill/>
+          <a:ln w="0">
+            <a:noFill/>
+          </a:ln>
+        </p:spPr>
+        <p:txBody>
+          <a:bodyPr lIns="0" rIns="0" tIns="0" bIns="0" anchor="t">
+            <a:noAutofit/>
+          </a:bodyPr>
+          <a:p>
+            <a:pPr marL="432000" indent="-324000">
+              <a:lnSpc>
+                <a:spcPct val="100000"/>
+              </a:lnSpc>
+              <a:spcBef>
+                <a:spcPts val="1191"/>
+              </a:spcBef>
+              <a:spcAft>
+                <a:spcPts val="992"/>
+              </a:spcAft>
+              <a:buClr>
+                <a:srgbClr val="77caee"/>
+              </a:buClr>
+              <a:buSzPct val="45000"/>
+              <a:buFont typeface="Wingdings" charset="2"/>
+              <a:buChar char=""/>
+            </a:pPr>
+            <a:r>
+              <a:rPr b="0" lang="en-US" sz="2200" spc="-1" strike="noStrike">
+                <a:solidFill>
+                  <a:srgbClr val="009bdd"/>
+                </a:solidFill>
+                <a:latin typeface="Arial"/>
+              </a:rPr>
+              <a:t>Javadoc — мощный инструмент для создания документации, который помогает поддерживать код и облегчает его понимание. Регулярное использование Javadoc улучшает качество проектов и взаимодействие в команде.</a:t>
+            </a:r>
+            <a:endParaRPr b="0" lang="en-US" sz="2200" spc="-1" strike="noStrike">
+              <a:solidFill>
+                <a:srgbClr val="000000"/>
+              </a:solidFill>
+              <a:latin typeface="Arial"/>
+            </a:endParaRPr>
+          </a:p>
+        </p:txBody>
+      </p:sp>
+      <p:sp>
+        <p:nvSpPr>
+          <p:cNvPr id="4" name="PlaceHolder 3"/>
+          <p:cNvSpPr>
+            <a:spLocks noGrp="1"/>
+          </p:cNvSpPr>
+          <p:nvPr>
+            <p:ph type="sldNum" idx="11"/>
+          </p:nvPr>
+        </p:nvSpPr>
+        <p:spPr/>
+        <p:txBody>
+          <a:bodyPr/>
+          <a:p>
+            <a:fld id="{5539F780-9636-44EF-BF35-22E251769C32}" type="slidenum">
+              <a:t>11</a:t>
+            </a:fld>
           </a:p>
         </p:txBody>
       </p:sp>
@@ -3860,7 +5703,7 @@
       </p:grpSpPr>
       <p:sp>
         <p:nvSpPr>
-          <p:cNvPr id="25" name="PlaceHolder 1"/>
+          <p:cNvPr id="32" name="PlaceHolder 1"/>
           <p:cNvSpPr>
             <a:spLocks noGrp="1"/>
           </p:cNvSpPr>
@@ -3871,7 +5714,7 @@
         <p:spPr>
           <a:xfrm>
             <a:off x="360000" y="180000"/>
-            <a:ext cx="9359640" cy="477720"/>
+            <a:ext cx="9359280" cy="477360"/>
           </a:xfrm>
           <a:prstGeom prst="rect">
             <a:avLst/>
@@ -3902,7 +5745,7 @@
               </a:tabLst>
             </a:pPr>
             <a:r>
-              <a:rPr b="1" lang="en-US" sz="1200" spc="-1" strike="noStrike">
+              <a:rPr b="1" lang="en-US" sz="2800" spc="-1" strike="noStrike">
                 <a:solidFill>
                   <a:srgbClr val="ffffff"/>
                 </a:solidFill>
@@ -3911,9 +5754,9 @@
               <a:t>Что такое Javadoc?</a:t>
             </a:r>
             <a:br>
-              <a:rPr sz="1200"/>
+              <a:rPr sz="2800"/>
             </a:br>
-            <a:endParaRPr b="0" lang="en-US" sz="1200" spc="-1" strike="noStrike">
+            <a:endParaRPr b="0" lang="en-US" sz="2800" spc="-1" strike="noStrike">
               <a:solidFill>
                 <a:srgbClr val="000000"/>
               </a:solidFill>
@@ -3924,7 +5767,7 @@
       </p:sp>
       <p:sp>
         <p:nvSpPr>
-          <p:cNvPr id="26" name="PlaceHolder 2"/>
+          <p:cNvPr id="33" name="PlaceHolder 2"/>
           <p:cNvSpPr>
             <a:spLocks noGrp="1"/>
           </p:cNvSpPr>
@@ -3935,7 +5778,7 @@
         <p:spPr>
           <a:xfrm>
             <a:off x="360000" y="1080000"/>
-            <a:ext cx="9359640" cy="3599640"/>
+            <a:ext cx="9359280" cy="3599280"/>
           </a:xfrm>
           <a:prstGeom prst="rect">
             <a:avLst/>
@@ -3968,7 +5811,7 @@
               <a:buChar char=""/>
             </a:pPr>
             <a:r>
-              <a:rPr b="0" lang="en-US" sz="1000" spc="-1" strike="noStrike">
+              <a:rPr b="0" lang="en-US" sz="2600" spc="-1" strike="noStrike">
                 <a:solidFill>
                   <a:srgbClr val="009bdd"/>
                 </a:solidFill>
@@ -3976,7 +5819,7 @@
               </a:rPr>
               <a:t>Javadoc — это инструмент для генерации документации из комментариев в исходном коде Java. Он позволяет разработчикам создавать понятные и структурированные документы, описывающие классы, методы и поля</a:t>
             </a:r>
-            <a:endParaRPr b="0" lang="en-US" sz="1000" spc="-1" strike="noStrike">
+            <a:endParaRPr b="0" lang="en-US" sz="2600" spc="-1" strike="noStrike">
               <a:solidFill>
                 <a:srgbClr val="000000"/>
               </a:solidFill>
@@ -3992,14 +5835,14 @@
             <a:spLocks noGrp="1"/>
           </p:cNvSpPr>
           <p:nvPr>
-            <p:ph type="sldNum" idx="8"/>
+            <p:ph type="sldNum" idx="11"/>
           </p:nvPr>
         </p:nvSpPr>
         <p:spPr/>
         <p:txBody>
           <a:bodyPr/>
           <a:p>
-            <a:fld id="{02DC8680-C5DB-456D-AD83-CB3C9FFB7B6C}" type="slidenum">
+            <a:fld id="{9030C12F-A6F4-410F-87E1-6BA537B5ECB2}" type="slidenum">
               <a:t>2</a:t>
             </a:fld>
           </a:p>
@@ -4037,7 +5880,7 @@
       </p:grpSpPr>
       <p:sp>
         <p:nvSpPr>
-          <p:cNvPr id="27" name="PlaceHolder 1"/>
+          <p:cNvPr id="34" name="PlaceHolder 1"/>
           <p:cNvSpPr>
             <a:spLocks noGrp="1"/>
           </p:cNvSpPr>
@@ -4048,7 +5891,7 @@
         <p:spPr>
           <a:xfrm>
             <a:off x="360000" y="180000"/>
-            <a:ext cx="9359640" cy="477720"/>
+            <a:ext cx="9359280" cy="477360"/>
           </a:xfrm>
           <a:prstGeom prst="rect">
             <a:avLst/>
@@ -4079,7 +5922,7 @@
               </a:tabLst>
             </a:pPr>
             <a:r>
-              <a:rPr b="1" lang="en-US" sz="1200" spc="-1" strike="noStrike">
+              <a:rPr b="1" lang="en-US" sz="2800" spc="-1" strike="noStrike">
                 <a:solidFill>
                   <a:srgbClr val="ffffff"/>
                 </a:solidFill>
@@ -4088,9 +5931,9 @@
               <a:t>Зачем нужен Javadoc?</a:t>
             </a:r>
             <a:br>
-              <a:rPr sz="1200"/>
+              <a:rPr sz="2800"/>
             </a:br>
-            <a:endParaRPr b="0" lang="en-US" sz="1200" spc="-1" strike="noStrike">
+            <a:endParaRPr b="0" lang="en-US" sz="2800" spc="-1" strike="noStrike">
               <a:solidFill>
                 <a:srgbClr val="000000"/>
               </a:solidFill>
@@ -4101,7 +5944,7 @@
       </p:sp>
       <p:sp>
         <p:nvSpPr>
-          <p:cNvPr id="28" name="PlaceHolder 2"/>
+          <p:cNvPr id="35" name="PlaceHolder 2"/>
           <p:cNvSpPr>
             <a:spLocks noGrp="1"/>
           </p:cNvSpPr>
@@ -4112,7 +5955,7 @@
         <p:spPr>
           <a:xfrm>
             <a:off x="360000" y="1080000"/>
-            <a:ext cx="9359640" cy="3599640"/>
+            <a:ext cx="9359280" cy="3599280"/>
           </a:xfrm>
           <a:prstGeom prst="rect">
             <a:avLst/>
@@ -4145,7 +5988,7 @@
               <a:buChar char=""/>
             </a:pPr>
             <a:r>
-              <a:rPr b="0" lang="en-US" sz="1000" spc="-1" strike="noStrike">
+              <a:rPr b="0" lang="en-US" sz="1800" spc="-1" strike="noStrike">
                 <a:solidFill>
                   <a:srgbClr val="009bdd"/>
                 </a:solidFill>
@@ -4153,7 +5996,7 @@
               </a:rPr>
               <a:t>Упрощает понимание кода для других разработчиков.</a:t>
             </a:r>
-            <a:endParaRPr b="0" lang="en-US" sz="1000" spc="-1" strike="noStrike">
+            <a:endParaRPr b="0" lang="en-US" sz="1800" spc="-1" strike="noStrike">
               <a:solidFill>
                 <a:srgbClr val="000000"/>
               </a:solidFill>
@@ -4179,7 +6022,7 @@
               <a:buChar char=""/>
             </a:pPr>
             <a:r>
-              <a:rPr b="0" lang="en-US" sz="1000" spc="-1" strike="noStrike">
+              <a:rPr b="0" lang="en-US" sz="1800" spc="-1" strike="noStrike">
                 <a:solidFill>
                   <a:srgbClr val="009bdd"/>
                 </a:solidFill>
@@ -4187,7 +6030,7 @@
               </a:rPr>
               <a:t>Обеспечивает автоматическое обновление документации при изменении кода.</a:t>
             </a:r>
-            <a:endParaRPr b="0" lang="en-US" sz="1000" spc="-1" strike="noStrike">
+            <a:endParaRPr b="0" lang="en-US" sz="1800" spc="-1" strike="noStrike">
               <a:solidFill>
                 <a:srgbClr val="000000"/>
               </a:solidFill>
@@ -4213,7 +6056,7 @@
               <a:buChar char=""/>
             </a:pPr>
             <a:r>
-              <a:rPr b="0" lang="en-US" sz="1000" spc="-1" strike="noStrike">
+              <a:rPr b="0" lang="en-US" sz="1800" spc="-1" strike="noStrike">
                 <a:solidFill>
                   <a:srgbClr val="009bdd"/>
                 </a:solidFill>
@@ -4221,7 +6064,7 @@
               </a:rPr>
               <a:t>Способствует лучшему поддержанию и сопровождению проектов.</a:t>
             </a:r>
-            <a:endParaRPr b="0" lang="en-US" sz="1000" spc="-1" strike="noStrike">
+            <a:endParaRPr b="0" lang="en-US" sz="1800" spc="-1" strike="noStrike">
               <a:solidFill>
                 <a:srgbClr val="000000"/>
               </a:solidFill>
@@ -4244,7 +6087,7 @@
                 <a:tab algn="l" pos="0"/>
               </a:tabLst>
             </a:pPr>
-            <a:endParaRPr b="0" lang="en-US" sz="1000" spc="-1" strike="noStrike">
+            <a:endParaRPr b="0" lang="en-US" sz="1800" spc="-1" strike="noStrike">
               <a:solidFill>
                 <a:srgbClr val="000000"/>
               </a:solidFill>
@@ -4260,14 +6103,14 @@
             <a:spLocks noGrp="1"/>
           </p:cNvSpPr>
           <p:nvPr>
-            <p:ph type="sldNum" idx="8"/>
+            <p:ph type="sldNum" idx="11"/>
           </p:nvPr>
         </p:nvSpPr>
         <p:spPr/>
         <p:txBody>
           <a:bodyPr/>
           <a:p>
-            <a:fld id="{DF0CA1FC-3793-4267-A34D-631BB1E43AF0}" type="slidenum">
+            <a:fld id="{83B2D2A8-D685-4337-B943-C1CB8E885E3F}" type="slidenum">
               <a:t>3</a:t>
             </a:fld>
           </a:p>
@@ -4305,7 +6148,7 @@
       </p:grpSpPr>
       <p:sp>
         <p:nvSpPr>
-          <p:cNvPr id="29" name="PlaceHolder 1"/>
+          <p:cNvPr id="36" name="PlaceHolder 1"/>
           <p:cNvSpPr>
             <a:spLocks noGrp="1"/>
           </p:cNvSpPr>
@@ -4316,7 +6159,7 @@
         <p:spPr>
           <a:xfrm>
             <a:off x="360000" y="180000"/>
-            <a:ext cx="9359640" cy="477720"/>
+            <a:ext cx="9359280" cy="477360"/>
           </a:xfrm>
           <a:prstGeom prst="rect">
             <a:avLst/>
@@ -4369,7 +6212,7 @@
       </p:sp>
       <p:sp>
         <p:nvSpPr>
-          <p:cNvPr id="30" name="PlaceHolder 2"/>
+          <p:cNvPr id="37" name="PlaceHolder 2"/>
           <p:cNvSpPr>
             <a:spLocks noGrp="1"/>
           </p:cNvSpPr>
@@ -4380,7 +6223,7 @@
         <p:spPr>
           <a:xfrm>
             <a:off x="360000" y="1080000"/>
-            <a:ext cx="9359640" cy="3599640"/>
+            <a:ext cx="9359280" cy="3599280"/>
           </a:xfrm>
           <a:prstGeom prst="rect">
             <a:avLst/>
@@ -4400,6 +6243,9 @@
                 <a:spcPct val="100000"/>
               </a:lnSpc>
               <a:buNone/>
+              <a:tabLst>
+                <a:tab algn="l" pos="0"/>
+              </a:tabLst>
             </a:pPr>
             <a:r>
               <a:rPr b="0" lang="en-US" sz="1000" spc="-1" strike="noStrike">
@@ -4437,6 +6283,9 @@
               <a:buSzPct val="45000"/>
               <a:buFont typeface="Wingdings" charset="2"/>
               <a:buChar char=""/>
+              <a:tabLst>
+                <a:tab algn="l" pos="0"/>
+              </a:tabLst>
             </a:pPr>
             <a:r>
               <a:rPr b="0" lang="en-US" sz="1000" spc="-1" strike="noStrike">
@@ -4465,6 +6314,9 @@
               <a:buSzPct val="45000"/>
               <a:buFont typeface="Wingdings" charset="2"/>
               <a:buChar char=""/>
+              <a:tabLst>
+                <a:tab algn="l" pos="0"/>
+              </a:tabLst>
             </a:pPr>
             <a:r>
               <a:rPr b="0" lang="en-US" sz="1000" spc="-1" strike="noStrike">
@@ -4502,6 +6354,9 @@
               <a:buSzPct val="45000"/>
               <a:buFont typeface="Wingdings" charset="2"/>
               <a:buChar char=""/>
+              <a:tabLst>
+                <a:tab algn="l" pos="0"/>
+              </a:tabLst>
             </a:pPr>
             <a:r>
               <a:rPr b="0" lang="en-US" sz="1000" spc="-1" strike="noStrike">
@@ -4539,6 +6394,9 @@
               <a:buSzPct val="45000"/>
               <a:buFont typeface="Wingdings" charset="2"/>
               <a:buChar char=""/>
+              <a:tabLst>
+                <a:tab algn="l" pos="0"/>
+              </a:tabLst>
             </a:pPr>
             <a:r>
               <a:rPr b="0" lang="en-US" sz="1000" spc="-1" strike="noStrike">
@@ -4576,6 +6434,9 @@
               <a:buSzPct val="45000"/>
               <a:buFont typeface="Wingdings" charset="2"/>
               <a:buChar char=""/>
+              <a:tabLst>
+                <a:tab algn="l" pos="0"/>
+              </a:tabLst>
             </a:pPr>
             <a:r>
               <a:rPr b="0" lang="en-US" sz="1000" spc="-1" strike="noStrike">
@@ -4613,6 +6474,9 @@
               <a:buSzPct val="45000"/>
               <a:buFont typeface="Wingdings" charset="2"/>
               <a:buChar char=""/>
+              <a:tabLst>
+                <a:tab algn="l" pos="0"/>
+              </a:tabLst>
             </a:pPr>
             <a:r>
               <a:rPr b="0" lang="en-US" sz="1000" spc="-1" strike="noStrike">
@@ -4650,6 +6514,9 @@
               <a:buSzPct val="45000"/>
               <a:buFont typeface="Wingdings" charset="2"/>
               <a:buChar char=""/>
+              <a:tabLst>
+                <a:tab algn="l" pos="0"/>
+              </a:tabLst>
             </a:pPr>
             <a:r>
               <a:rPr b="0" lang="en-US" sz="1000" spc="-1" strike="noStrike">
@@ -4687,6 +6554,9 @@
               <a:buSzPct val="45000"/>
               <a:buFont typeface="Wingdings" charset="2"/>
               <a:buChar char=""/>
+              <a:tabLst>
+                <a:tab algn="l" pos="0"/>
+              </a:tabLst>
             </a:pPr>
             <a:r>
               <a:rPr b="0" lang="en-US" sz="1000" spc="-1" strike="noStrike">
@@ -4724,6 +6594,9 @@
               <a:buSzPct val="45000"/>
               <a:buFont typeface="Wingdings" charset="2"/>
               <a:buChar char=""/>
+              <a:tabLst>
+                <a:tab algn="l" pos="0"/>
+              </a:tabLst>
             </a:pPr>
             <a:r>
               <a:rPr b="0" lang="en-US" sz="1000" spc="-1" strike="noStrike">
@@ -4761,6 +6634,9 @@
               <a:buSzPct val="45000"/>
               <a:buFont typeface="Wingdings" charset="2"/>
               <a:buChar char=""/>
+              <a:tabLst>
+                <a:tab algn="l" pos="0"/>
+              </a:tabLst>
             </a:pPr>
             <a:r>
               <a:rPr b="0" lang="en-US" sz="1000" spc="-1" strike="noStrike">
@@ -4798,6 +6674,9 @@
               <a:buSzPct val="45000"/>
               <a:buFont typeface="Wingdings" charset="2"/>
               <a:buChar char=""/>
+              <a:tabLst>
+                <a:tab algn="l" pos="0"/>
+              </a:tabLst>
             </a:pPr>
             <a:r>
               <a:rPr b="0" lang="en-US" sz="1000" spc="-1" strike="noStrike">
@@ -4835,6 +6714,9 @@
               <a:buSzPct val="45000"/>
               <a:buFont typeface="Wingdings" charset="2"/>
               <a:buChar char=""/>
+              <a:tabLst>
+                <a:tab algn="l" pos="0"/>
+              </a:tabLst>
             </a:pPr>
             <a:r>
               <a:rPr b="0" lang="en-US" sz="1000" spc="-1" strike="noStrike">
@@ -4872,6 +6754,9 @@
               <a:buSzPct val="45000"/>
               <a:buFont typeface="Wingdings" charset="2"/>
               <a:buChar char=""/>
+              <a:tabLst>
+                <a:tab algn="l" pos="0"/>
+              </a:tabLst>
             </a:pPr>
             <a:r>
               <a:rPr b="0" lang="en-US" sz="1000" spc="-1" strike="noStrike">
@@ -4909,6 +6794,9 @@
               <a:buSzPct val="45000"/>
               <a:buFont typeface="Wingdings" charset="2"/>
               <a:buChar char=""/>
+              <a:tabLst>
+                <a:tab algn="l" pos="0"/>
+              </a:tabLst>
             </a:pPr>
             <a:r>
               <a:rPr b="0" lang="en-US" sz="1000" spc="-1" strike="noStrike">
@@ -4946,6 +6834,9 @@
               <a:buSzPct val="45000"/>
               <a:buFont typeface="Wingdings" charset="2"/>
               <a:buChar char=""/>
+              <a:tabLst>
+                <a:tab algn="l" pos="0"/>
+              </a:tabLst>
             </a:pPr>
             <a:r>
               <a:rPr b="0" lang="en-US" sz="1000" spc="-1" strike="noStrike">
@@ -4983,6 +6874,9 @@
               <a:buSzPct val="45000"/>
               <a:buFont typeface="Wingdings" charset="2"/>
               <a:buChar char=""/>
+              <a:tabLst>
+                <a:tab algn="l" pos="0"/>
+              </a:tabLst>
             </a:pPr>
             <a:r>
               <a:rPr b="0" lang="en-US" sz="1000" spc="-1" strike="noStrike">
@@ -5020,6 +6914,9 @@
               <a:buSzPct val="45000"/>
               <a:buFont typeface="Wingdings" charset="2"/>
               <a:buChar char=""/>
+              <a:tabLst>
+                <a:tab algn="l" pos="0"/>
+              </a:tabLst>
             </a:pPr>
             <a:r>
               <a:rPr b="0" lang="en-US" sz="1000" spc="-1" strike="noStrike">
@@ -5057,6 +6954,9 @@
               <a:buSzPct val="45000"/>
               <a:buFont typeface="Wingdings" charset="2"/>
               <a:buChar char=""/>
+              <a:tabLst>
+                <a:tab algn="l" pos="0"/>
+              </a:tabLst>
             </a:pPr>
             <a:r>
               <a:rPr b="0" lang="en-US" sz="1000" spc="-1" strike="noStrike">
@@ -5094,6 +6994,9 @@
               <a:buSzPct val="45000"/>
               <a:buFont typeface="Wingdings" charset="2"/>
               <a:buChar char=""/>
+              <a:tabLst>
+                <a:tab algn="l" pos="0"/>
+              </a:tabLst>
             </a:pPr>
             <a:r>
               <a:rPr b="0" lang="en-US" sz="1000" spc="-1" strike="noStrike">
@@ -5146,14 +7049,14 @@
             <a:spLocks noGrp="1"/>
           </p:cNvSpPr>
           <p:nvPr>
-            <p:ph type="sldNum" idx="8"/>
+            <p:ph type="sldNum" idx="11"/>
           </p:nvPr>
         </p:nvSpPr>
         <p:spPr/>
         <p:txBody>
           <a:bodyPr/>
           <a:p>
-            <a:fld id="{702BFA95-CE23-4781-963A-0DBE7386EE79}" type="slidenum">
+            <a:fld id="{C99D6BF7-0A4C-4F68-8D9A-E869746CA17A}" type="slidenum">
               <a:t>4</a:t>
             </a:fld>
           </a:p>
@@ -5191,7 +7094,7 @@
       </p:grpSpPr>
       <p:sp>
         <p:nvSpPr>
-          <p:cNvPr id="31" name="PlaceHolder 1"/>
+          <p:cNvPr id="38" name="PlaceHolder 1"/>
           <p:cNvSpPr>
             <a:spLocks noGrp="1"/>
           </p:cNvSpPr>
@@ -5201,8 +7104,8 @@
         </p:nvSpPr>
         <p:spPr>
           <a:xfrm>
-            <a:off x="360000" y="180000"/>
-            <a:ext cx="9359640" cy="477720"/>
+            <a:off x="360000" y="106200"/>
+            <a:ext cx="9359280" cy="624960"/>
           </a:xfrm>
           <a:prstGeom prst="rect">
             <a:avLst/>
@@ -5221,30 +7124,21 @@
               <a:lnSpc>
                 <a:spcPct val="100000"/>
               </a:lnSpc>
-              <a:spcBef>
-                <a:spcPts val="1191"/>
-              </a:spcBef>
-              <a:spcAft>
-                <a:spcPts val="992"/>
-              </a:spcAft>
               <a:buNone/>
               <a:tabLst>
                 <a:tab algn="l" pos="0"/>
               </a:tabLst>
             </a:pPr>
             <a:r>
-              <a:rPr b="1" lang="en-US" sz="1200" spc="-1" strike="noStrike">
-                <a:solidFill>
-                  <a:srgbClr val="ffffff"/>
-                </a:solidFill>
-                <a:latin typeface="Arial"/>
-              </a:rPr>
-              <a:t>Генерация документации</a:t>
-            </a:r>
-            <a:br>
-              <a:rPr sz="1200"/>
-            </a:br>
-            <a:endParaRPr b="0" lang="en-US" sz="1200" spc="-1" strike="noStrike">
+              <a:rPr b="0" lang="en-US" sz="4400" spc="-1" strike="noStrike">
+                <a:solidFill>
+                  <a:srgbClr val="000000"/>
+                </a:solidFill>
+                <a:latin typeface="Arial"/>
+              </a:rPr>
+              <a:t>Пример использования</a:t>
+            </a:r>
+            <a:endParaRPr b="0" lang="en-US" sz="4400" spc="-1" strike="noStrike">
               <a:solidFill>
                 <a:srgbClr val="000000"/>
               </a:solidFill>
@@ -5255,7 +7149,7 @@
       </p:sp>
       <p:sp>
         <p:nvSpPr>
-          <p:cNvPr id="32" name="PlaceHolder 2"/>
+          <p:cNvPr id="39" name="PlaceHolder 2"/>
           <p:cNvSpPr>
             <a:spLocks noGrp="1"/>
           </p:cNvSpPr>
@@ -5266,7 +7160,7 @@
         <p:spPr>
           <a:xfrm>
             <a:off x="360000" y="1080000"/>
-            <a:ext cx="9359640" cy="3599640"/>
+            <a:ext cx="9359280" cy="3599280"/>
           </a:xfrm>
           <a:prstGeom prst="rect">
             <a:avLst/>
@@ -5278,15 +7172,35 @@
         </p:spPr>
         <p:txBody>
           <a:bodyPr lIns="0" rIns="0" tIns="0" bIns="0" anchor="t">
-            <a:noAutofit/>
+            <a:normAutofit/>
           </a:bodyPr>
           <a:p>
-            <a:pPr indent="0">
+            <a:pPr marL="432000" indent="-324000">
+              <a:lnSpc>
+                <a:spcPct val="100000"/>
+              </a:lnSpc>
               <a:spcBef>
-                <a:spcPts val="1417"/>
+                <a:spcPts val="1191"/>
               </a:spcBef>
-              <a:buNone/>
-            </a:pPr>
+              <a:spcAft>
+                <a:spcPts val="992"/>
+              </a:spcAft>
+              <a:buClr>
+                <a:srgbClr val="000000"/>
+              </a:buClr>
+              <a:buSzPct val="45000"/>
+              <a:buFont typeface="Wingdings" charset="2"/>
+              <a:buChar char=""/>
+            </a:pPr>
+            <a:r>
+              <a:rPr b="0" lang="en-US" sz="1800" spc="-1" strike="noStrike">
+                <a:solidFill>
+                  <a:srgbClr val="000000"/>
+                </a:solidFill>
+                <a:latin typeface="Arial"/>
+              </a:rPr>
+              <a:t>На первом скриншоте показана структура директорий проекта, где находится файл Main.java. На втором скриншоте представлен пример кода класса Calculator, который находится в директории src.</a:t>
+            </a:r>
             <a:endParaRPr b="0" lang="en-US" sz="1800" spc="-1" strike="noStrike">
               <a:solidFill>
                 <a:srgbClr val="000000"/>
@@ -5303,14 +7217,14 @@
             <a:spLocks noGrp="1"/>
           </p:cNvSpPr>
           <p:nvPr>
-            <p:ph type="sldNum" idx="8"/>
+            <p:ph type="sldNum" idx="11"/>
           </p:nvPr>
         </p:nvSpPr>
         <p:spPr/>
         <p:txBody>
           <a:bodyPr/>
           <a:p>
-            <a:fld id="{5718C7FE-D0FB-4B84-B383-ED9964EDE7A2}" type="slidenum">
+            <a:fld id="{C90957DF-2869-4CE2-9445-DF92A517ACD4}" type="slidenum">
               <a:t>5</a:t>
             </a:fld>
           </a:p>
@@ -5346,9 +7260,155 @@
           <a:chExt cx="0" cy="0"/>
         </a:xfrm>
       </p:grpSpPr>
+      <p:pic>
+        <p:nvPicPr>
+          <p:cNvPr id="40" name="" descr=""/>
+          <p:cNvPicPr/>
+          <p:nvPr/>
+        </p:nvPicPr>
+        <p:blipFill>
+          <a:blip r:embed="rId1"/>
+          <a:stretch/>
+        </p:blipFill>
+        <p:spPr>
+          <a:xfrm>
+            <a:off x="-21960" y="720"/>
+            <a:ext cx="12190680" cy="6856920"/>
+          </a:xfrm>
+          <a:prstGeom prst="rect">
+            <a:avLst/>
+          </a:prstGeom>
+          <a:ln w="0">
+            <a:noFill/>
+          </a:ln>
+        </p:spPr>
+      </p:pic>
       <p:sp>
         <p:nvSpPr>
-          <p:cNvPr id="33" name="PlaceHolder 1"/>
+          <p:cNvPr id="2" name="PlaceHolder 1"/>
+          <p:cNvSpPr>
+            <a:spLocks noGrp="1"/>
+          </p:cNvSpPr>
+          <p:nvPr>
+            <p:ph type="sldNum" idx="8"/>
+          </p:nvPr>
+        </p:nvSpPr>
+        <p:spPr/>
+        <p:txBody>
+          <a:bodyPr/>
+          <a:p>
+            <a:fld id="{6B62018E-D3FF-4453-9A4F-C1E3A99732D7}" type="slidenum">
+              <a:t>6</a:t>
+            </a:fld>
+          </a:p>
+        </p:txBody>
+      </p:sp>
+    </p:spTree>
+  </p:cSld>
+  <mc:AlternateContent>
+    <mc:Choice Requires="p14">
+      <p:transition spd="slow" p14:dur="2000"/>
+    </mc:Choice>
+    <mc:Fallback>
+      <p:transition spd="slow"/>
+    </mc:Fallback>
+  </mc:AlternateContent>
+</p:sld>
+</file>
+
+<file path=ppt/slides/slide7.xml><?xml version="1.0" encoding="utf-8"?>
+<p:sld xmlns:a="http://schemas.openxmlformats.org/drawingml/2006/main" xmlns:p="http://schemas.openxmlformats.org/presentationml/2006/main" xmlns:r="http://schemas.openxmlformats.org/officeDocument/2006/relationships" xmlns:p14="http://schemas.microsoft.com/office/powerpoint/2010/main" xmlns:p15="http://schemas.microsoft.com/office/powerpoint/2012/main" xmlns:mc="http://schemas.openxmlformats.org/markup-compatibility/2006">
+  <p:cSld>
+    <p:spTree>
+      <p:nvGrpSpPr>
+        <p:cNvPr id="1" name=""/>
+        <p:cNvGrpSpPr/>
+        <p:nvPr/>
+      </p:nvGrpSpPr>
+      <p:grpSpPr>
+        <a:xfrm>
+          <a:off x="0" y="0"/>
+          <a:ext cx="0" cy="0"/>
+          <a:chOff x="0" y="0"/>
+          <a:chExt cx="0" cy="0"/>
+        </a:xfrm>
+      </p:grpSpPr>
+      <p:pic>
+        <p:nvPicPr>
+          <p:cNvPr id="41" name="" descr=""/>
+          <p:cNvPicPr/>
+          <p:nvPr/>
+        </p:nvPicPr>
+        <p:blipFill>
+          <a:blip r:embed="rId1"/>
+          <a:stretch/>
+        </p:blipFill>
+        <p:spPr>
+          <a:xfrm>
+            <a:off x="0" y="720"/>
+            <a:ext cx="10972440" cy="6171480"/>
+          </a:xfrm>
+          <a:prstGeom prst="rect">
+            <a:avLst/>
+          </a:prstGeom>
+          <a:ln w="0">
+            <a:noFill/>
+          </a:ln>
+        </p:spPr>
+      </p:pic>
+      <p:sp>
+        <p:nvSpPr>
+          <p:cNvPr id="2" name="PlaceHolder 1"/>
+          <p:cNvSpPr>
+            <a:spLocks noGrp="1"/>
+          </p:cNvSpPr>
+          <p:nvPr>
+            <p:ph type="sldNum" idx="8"/>
+          </p:nvPr>
+        </p:nvSpPr>
+        <p:spPr/>
+        <p:txBody>
+          <a:bodyPr/>
+          <a:p>
+            <a:fld id="{DAE02FE8-B58A-473C-A2AC-BEF0F6D845D5}" type="slidenum">
+              <a:t>7</a:t>
+            </a:fld>
+          </a:p>
+        </p:txBody>
+      </p:sp>
+    </p:spTree>
+  </p:cSld>
+  <mc:AlternateContent>
+    <mc:Choice Requires="p14">
+      <p:transition spd="slow" p14:dur="2000"/>
+    </mc:Choice>
+    <mc:Fallback>
+      <p:transition spd="slow"/>
+    </mc:Fallback>
+  </mc:AlternateContent>
+</p:sld>
+</file>
+
+<file path=ppt/slides/slide8.xml><?xml version="1.0" encoding="utf-8"?>
+<p:sld xmlns:a="http://schemas.openxmlformats.org/drawingml/2006/main" xmlns:p="http://schemas.openxmlformats.org/presentationml/2006/main" xmlns:r="http://schemas.openxmlformats.org/officeDocument/2006/relationships" xmlns:p14="http://schemas.microsoft.com/office/powerpoint/2010/main" xmlns:p15="http://schemas.microsoft.com/office/powerpoint/2012/main" xmlns:mc="http://schemas.openxmlformats.org/markup-compatibility/2006">
+  <p:cSld>
+    <p:spTree>
+      <p:nvGrpSpPr>
+        <p:cNvPr id="1" name=""/>
+        <p:cNvGrpSpPr/>
+        <p:nvPr/>
+      </p:nvGrpSpPr>
+      <p:grpSpPr>
+        <a:xfrm>
+          <a:off x="0" y="0"/>
+          <a:ext cx="0" cy="0"/>
+          <a:chOff x="0" y="0"/>
+          <a:chExt cx="0" cy="0"/>
+        </a:xfrm>
+      </p:grpSpPr>
+      <p:sp>
+        <p:nvSpPr>
+          <p:cNvPr id="42" name="PlaceHolder 1"/>
           <p:cNvSpPr>
             <a:spLocks noGrp="1"/>
           </p:cNvSpPr>
@@ -5359,7 +7419,7 @@
         <p:spPr>
           <a:xfrm>
             <a:off x="360000" y="180000"/>
-            <a:ext cx="9359640" cy="477720"/>
+            <a:ext cx="9359280" cy="477360"/>
           </a:xfrm>
           <a:prstGeom prst="rect">
             <a:avLst/>
@@ -5396,7 +7456,7 @@
                 </a:solidFill>
                 <a:latin typeface="Arial"/>
               </a:rPr>
-              <a:t>Заключение</a:t>
+              <a:t>Генерация документации</a:t>
             </a:r>
             <a:br>
               <a:rPr sz="1200"/>
@@ -5412,7 +7472,7 @@
       </p:sp>
       <p:sp>
         <p:nvSpPr>
-          <p:cNvPr id="34" name="PlaceHolder 2"/>
+          <p:cNvPr id="43" name="PlaceHolder 2"/>
           <p:cNvSpPr>
             <a:spLocks noGrp="1"/>
           </p:cNvSpPr>
@@ -5423,7 +7483,7 @@
         <p:spPr>
           <a:xfrm>
             <a:off x="360000" y="1080000"/>
-            <a:ext cx="9359640" cy="3599640"/>
+            <a:ext cx="9359280" cy="3599280"/>
           </a:xfrm>
           <a:prstGeom prst="rect">
             <a:avLst/>
@@ -5442,29 +7502,503 @@
               <a:lnSpc>
                 <a:spcPct val="100000"/>
               </a:lnSpc>
-              <a:spcBef>
-                <a:spcPts val="1191"/>
-              </a:spcBef>
-              <a:spcAft>
-                <a:spcPts val="992"/>
-              </a:spcAft>
               <a:buClr>
-                <a:srgbClr val="77caee"/>
+                <a:srgbClr val="000000"/>
               </a:buClr>
-              <a:buSzPct val="45000"/>
               <a:buFont typeface="Wingdings" charset="2"/>
               <a:buChar char=""/>
             </a:pPr>
             <a:r>
-              <a:rPr b="0" lang="en-US" sz="1000" spc="-1" strike="noStrike">
-                <a:solidFill>
-                  <a:srgbClr val="009bdd"/>
-                </a:solidFill>
-                <a:latin typeface="Arial"/>
-              </a:rPr>
-              <a:t>Javadoc — мощный инструмент для создания документации, который помогает поддерживать код и облегчает его понимание. Регулярное использование Javadoc улучшает качество проектов и взаимодействие в команде.</a:t>
-            </a:r>
-            <a:endParaRPr b="0" lang="en-US" sz="1000" spc="-1" strike="noStrike">
+              <a:rPr b="0" lang="en-US" sz="1200" spc="-1" strike="noStrike">
+                <a:solidFill>
+                  <a:srgbClr val="000000"/>
+                </a:solidFill>
+                <a:latin typeface="Arial"/>
+                <a:ea typeface="Noto Sans CJK SC"/>
+              </a:rPr>
+              <a:t>Пример команды: javadoc -d doc -private -package -author -version -use Main.java src/*.java</a:t>
+            </a:r>
+            <a:endParaRPr b="0" lang="en-US" sz="1200" spc="-1" strike="noStrike">
+              <a:solidFill>
+                <a:srgbClr val="000000"/>
+              </a:solidFill>
+              <a:latin typeface="Arial"/>
+            </a:endParaRPr>
+          </a:p>
+          <a:p>
+            <a:pPr indent="0">
+              <a:lnSpc>
+                <a:spcPct val="100000"/>
+              </a:lnSpc>
+              <a:buNone/>
+              <a:tabLst>
+                <a:tab algn="l" pos="0"/>
+              </a:tabLst>
+            </a:pPr>
+            <a:endParaRPr b="0" lang="en-US" sz="1200" spc="-1" strike="noStrike">
+              <a:solidFill>
+                <a:srgbClr val="000000"/>
+              </a:solidFill>
+              <a:latin typeface="Arial"/>
+            </a:endParaRPr>
+          </a:p>
+          <a:p>
+            <a:pPr marL="432000" indent="-324000">
+              <a:lnSpc>
+                <a:spcPct val="100000"/>
+              </a:lnSpc>
+              <a:buClr>
+                <a:srgbClr val="000000"/>
+              </a:buClr>
+              <a:buFont typeface="Wingdings" charset="2"/>
+              <a:buChar char=""/>
+              <a:tabLst>
+                <a:tab algn="l" pos="0"/>
+              </a:tabLst>
+            </a:pPr>
+            <a:r>
+              <a:rPr b="0" lang="en-US" sz="1200" spc="-1" strike="noStrike">
+                <a:solidFill>
+                  <a:srgbClr val="000000"/>
+                </a:solidFill>
+                <a:latin typeface="Arial"/>
+                <a:ea typeface="Noto Sans CJK SC"/>
+              </a:rPr>
+              <a:t>-d &lt;directory&gt; - Указывает каталог для сохранения сгенерированных файлов Javadoc.</a:t>
+            </a:r>
+            <a:endParaRPr b="0" lang="en-US" sz="1200" spc="-1" strike="noStrike">
+              <a:solidFill>
+                <a:srgbClr val="000000"/>
+              </a:solidFill>
+              <a:latin typeface="Arial"/>
+            </a:endParaRPr>
+          </a:p>
+          <a:p>
+            <a:pPr marL="432000" indent="-324000">
+              <a:lnSpc>
+                <a:spcPct val="100000"/>
+              </a:lnSpc>
+              <a:buClr>
+                <a:srgbClr val="000000"/>
+              </a:buClr>
+              <a:buFont typeface="Wingdings" charset="2"/>
+              <a:buChar char=""/>
+              <a:tabLst>
+                <a:tab algn="l" pos="0"/>
+              </a:tabLst>
+            </a:pPr>
+            <a:r>
+              <a:rPr b="0" lang="en-US" sz="1200" spc="-1" strike="noStrike">
+                <a:solidFill>
+                  <a:srgbClr val="000000"/>
+                </a:solidFill>
+                <a:latin typeface="Arial"/>
+                <a:ea typeface="Noto Sans CJK SC"/>
+              </a:rPr>
+              <a:t> </a:t>
+            </a:r>
+            <a:r>
+              <a:rPr b="0" lang="en-US" sz="1200" spc="-1" strike="noStrike">
+                <a:solidFill>
+                  <a:srgbClr val="000000"/>
+                </a:solidFill>
+                <a:latin typeface="Arial"/>
+                <a:ea typeface="Noto Sans CJK SC"/>
+              </a:rPr>
+              <a:t>-sourcepath &lt;path&gt; - Указывает путь к исходным файлам, чтобы Javadoc мог их найти.</a:t>
+            </a:r>
+            <a:endParaRPr b="0" lang="en-US" sz="1200" spc="-1" strike="noStrike">
+              <a:solidFill>
+                <a:srgbClr val="000000"/>
+              </a:solidFill>
+              <a:latin typeface="Arial"/>
+            </a:endParaRPr>
+          </a:p>
+          <a:p>
+            <a:pPr marL="432000" indent="-324000">
+              <a:lnSpc>
+                <a:spcPct val="100000"/>
+              </a:lnSpc>
+              <a:buClr>
+                <a:srgbClr val="000000"/>
+              </a:buClr>
+              <a:buFont typeface="Wingdings" charset="2"/>
+              <a:buChar char=""/>
+              <a:tabLst>
+                <a:tab algn="l" pos="0"/>
+              </a:tabLst>
+            </a:pPr>
+            <a:r>
+              <a:rPr b="0" lang="en-US" sz="1200" spc="-1" strike="noStrike">
+                <a:solidFill>
+                  <a:srgbClr val="000000"/>
+                </a:solidFill>
+                <a:latin typeface="Arial"/>
+                <a:ea typeface="Noto Sans CJK SC"/>
+              </a:rPr>
+              <a:t> </a:t>
+            </a:r>
+            <a:r>
+              <a:rPr b="0" lang="en-US" sz="1200" spc="-1" strike="noStrike">
+                <a:solidFill>
+                  <a:srgbClr val="000000"/>
+                </a:solidFill>
+                <a:latin typeface="Arial"/>
+                <a:ea typeface="Noto Sans CJK SC"/>
+              </a:rPr>
+              <a:t>-subpackages &lt;package&gt; - Генерирует документацию для указанного пакета и всех его под-пакетов.</a:t>
+            </a:r>
+            <a:endParaRPr b="0" lang="en-US" sz="1200" spc="-1" strike="noStrike">
+              <a:solidFill>
+                <a:srgbClr val="000000"/>
+              </a:solidFill>
+              <a:latin typeface="Arial"/>
+            </a:endParaRPr>
+          </a:p>
+          <a:p>
+            <a:pPr marL="432000" indent="-324000">
+              <a:lnSpc>
+                <a:spcPct val="100000"/>
+              </a:lnSpc>
+              <a:buClr>
+                <a:srgbClr val="000000"/>
+              </a:buClr>
+              <a:buFont typeface="Wingdings" charset="2"/>
+              <a:buChar char=""/>
+              <a:tabLst>
+                <a:tab algn="l" pos="0"/>
+              </a:tabLst>
+            </a:pPr>
+            <a:r>
+              <a:rPr b="0" lang="en-US" sz="1200" spc="-1" strike="noStrike">
+                <a:solidFill>
+                  <a:srgbClr val="000000"/>
+                </a:solidFill>
+                <a:latin typeface="Arial"/>
+                <a:ea typeface="Noto Sans CJK SC"/>
+              </a:rPr>
+              <a:t> </a:t>
+            </a:r>
+            <a:r>
+              <a:rPr b="0" lang="en-US" sz="1200" spc="-1" strike="noStrike">
+                <a:solidFill>
+                  <a:srgbClr val="000000"/>
+                </a:solidFill>
+                <a:latin typeface="Arial"/>
+                <a:ea typeface="Noto Sans CJK SC"/>
+              </a:rPr>
+              <a:t>-private - Включает все методы и поля в документацию. </a:t>
+            </a:r>
+            <a:endParaRPr b="0" lang="en-US" sz="1200" spc="-1" strike="noStrike">
+              <a:solidFill>
+                <a:srgbClr val="000000"/>
+              </a:solidFill>
+              <a:latin typeface="Arial"/>
+            </a:endParaRPr>
+          </a:p>
+          <a:p>
+            <a:pPr marL="432000" indent="-324000">
+              <a:lnSpc>
+                <a:spcPct val="100000"/>
+              </a:lnSpc>
+              <a:buClr>
+                <a:srgbClr val="000000"/>
+              </a:buClr>
+              <a:buFont typeface="Wingdings" charset="2"/>
+              <a:buChar char=""/>
+              <a:tabLst>
+                <a:tab algn="l" pos="0"/>
+              </a:tabLst>
+            </a:pPr>
+            <a:r>
+              <a:rPr b="0" lang="en-US" sz="1200" spc="-1" strike="noStrike">
+                <a:solidFill>
+                  <a:srgbClr val="000000"/>
+                </a:solidFill>
+                <a:latin typeface="Arial"/>
+                <a:ea typeface="Noto Sans CJK SC"/>
+              </a:rPr>
+              <a:t>-protected - Включает защищенные методы и поля.</a:t>
+            </a:r>
+            <a:endParaRPr b="0" lang="en-US" sz="1200" spc="-1" strike="noStrike">
+              <a:solidFill>
+                <a:srgbClr val="000000"/>
+              </a:solidFill>
+              <a:latin typeface="Arial"/>
+            </a:endParaRPr>
+          </a:p>
+          <a:p>
+            <a:pPr marL="432000" indent="-324000">
+              <a:lnSpc>
+                <a:spcPct val="100000"/>
+              </a:lnSpc>
+              <a:buClr>
+                <a:srgbClr val="000000"/>
+              </a:buClr>
+              <a:buFont typeface="Wingdings" charset="2"/>
+              <a:buChar char=""/>
+              <a:tabLst>
+                <a:tab algn="l" pos="0"/>
+              </a:tabLst>
+            </a:pPr>
+            <a:r>
+              <a:rPr b="0" lang="en-US" sz="1200" spc="-1" strike="noStrike">
+                <a:solidFill>
+                  <a:srgbClr val="000000"/>
+                </a:solidFill>
+                <a:latin typeface="Arial"/>
+                <a:ea typeface="Noto Sans CJK SC"/>
+              </a:rPr>
+              <a:t> </a:t>
+            </a:r>
+            <a:r>
+              <a:rPr b="0" lang="en-US" sz="1200" spc="-1" strike="noStrike">
+                <a:solidFill>
+                  <a:srgbClr val="000000"/>
+                </a:solidFill>
+                <a:latin typeface="Arial"/>
+                <a:ea typeface="Noto Sans CJK SC"/>
+              </a:rPr>
+              <a:t>-author - Включает информацию об авторе в документацию.</a:t>
+            </a:r>
+            <a:endParaRPr b="0" lang="en-US" sz="1200" spc="-1" strike="noStrike">
+              <a:solidFill>
+                <a:srgbClr val="000000"/>
+              </a:solidFill>
+              <a:latin typeface="Arial"/>
+            </a:endParaRPr>
+          </a:p>
+          <a:p>
+            <a:pPr marL="432000" indent="-324000">
+              <a:lnSpc>
+                <a:spcPct val="100000"/>
+              </a:lnSpc>
+              <a:buClr>
+                <a:srgbClr val="000000"/>
+              </a:buClr>
+              <a:buFont typeface="Wingdings" charset="2"/>
+              <a:buChar char=""/>
+              <a:tabLst>
+                <a:tab algn="l" pos="0"/>
+              </a:tabLst>
+            </a:pPr>
+            <a:r>
+              <a:rPr b="0" lang="en-US" sz="1200" spc="-1" strike="noStrike">
+                <a:solidFill>
+                  <a:srgbClr val="000000"/>
+                </a:solidFill>
+                <a:latin typeface="Arial"/>
+                <a:ea typeface="Noto Sans CJK SC"/>
+              </a:rPr>
+              <a:t> </a:t>
+            </a:r>
+            <a:r>
+              <a:rPr b="0" lang="en-US" sz="1200" spc="-1" strike="noStrike">
+                <a:solidFill>
+                  <a:srgbClr val="000000"/>
+                </a:solidFill>
+                <a:latin typeface="Arial"/>
+                <a:ea typeface="Noto Sans CJK SC"/>
+              </a:rPr>
+              <a:t>-version - Включает информацию о версии в документацию.</a:t>
+            </a:r>
+            <a:endParaRPr b="0" lang="en-US" sz="1200" spc="-1" strike="noStrike">
+              <a:solidFill>
+                <a:srgbClr val="000000"/>
+              </a:solidFill>
+              <a:latin typeface="Arial"/>
+            </a:endParaRPr>
+          </a:p>
+          <a:p>
+            <a:pPr marL="432000" indent="-324000">
+              <a:lnSpc>
+                <a:spcPct val="100000"/>
+              </a:lnSpc>
+              <a:buClr>
+                <a:srgbClr val="000000"/>
+              </a:buClr>
+              <a:buFont typeface="Wingdings" charset="2"/>
+              <a:buChar char=""/>
+              <a:tabLst>
+                <a:tab algn="l" pos="0"/>
+              </a:tabLst>
+            </a:pPr>
+            <a:r>
+              <a:rPr b="0" lang="en-US" sz="1200" spc="-1" strike="noStrike">
+                <a:solidFill>
+                  <a:srgbClr val="000000"/>
+                </a:solidFill>
+                <a:latin typeface="Arial"/>
+                <a:ea typeface="Noto Sans CJK SC"/>
+              </a:rPr>
+              <a:t> </a:t>
+            </a:r>
+            <a:r>
+              <a:rPr b="0" lang="en-US" sz="1200" spc="-1" strike="noStrike">
+                <a:solidFill>
+                  <a:srgbClr val="000000"/>
+                </a:solidFill>
+                <a:latin typeface="Arial"/>
+                <a:ea typeface="Noto Sans CJK SC"/>
+              </a:rPr>
+              <a:t>-encoding &lt;encoding&gt; - Указывает кодировку исходных файлов (например, UTF-8). </a:t>
+            </a:r>
+            <a:endParaRPr b="0" lang="en-US" sz="1200" spc="-1" strike="noStrike">
+              <a:solidFill>
+                <a:srgbClr val="000000"/>
+              </a:solidFill>
+              <a:latin typeface="Arial"/>
+            </a:endParaRPr>
+          </a:p>
+          <a:p>
+            <a:pPr marL="432000" indent="-324000">
+              <a:lnSpc>
+                <a:spcPct val="100000"/>
+              </a:lnSpc>
+              <a:buClr>
+                <a:srgbClr val="000000"/>
+              </a:buClr>
+              <a:buFont typeface="Wingdings" charset="2"/>
+              <a:buChar char=""/>
+              <a:tabLst>
+                <a:tab algn="l" pos="0"/>
+              </a:tabLst>
+            </a:pPr>
+            <a:r>
+              <a:rPr b="0" lang="en-US" sz="1200" spc="-1" strike="noStrike">
+                <a:solidFill>
+                  <a:srgbClr val="000000"/>
+                </a:solidFill>
+                <a:latin typeface="Arial"/>
+                <a:ea typeface="Noto Sans CJK SC"/>
+              </a:rPr>
+              <a:t>-link &lt;url&gt; - Добавляет ссылки на внешнюю документацию (например, JDK API). </a:t>
+            </a:r>
+            <a:endParaRPr b="0" lang="en-US" sz="1200" spc="-1" strike="noStrike">
+              <a:solidFill>
+                <a:srgbClr val="000000"/>
+              </a:solidFill>
+              <a:latin typeface="Arial"/>
+            </a:endParaRPr>
+          </a:p>
+          <a:p>
+            <a:pPr marL="432000" indent="-324000">
+              <a:lnSpc>
+                <a:spcPct val="100000"/>
+              </a:lnSpc>
+              <a:buClr>
+                <a:srgbClr val="000000"/>
+              </a:buClr>
+              <a:buFont typeface="Wingdings" charset="2"/>
+              <a:buChar char=""/>
+              <a:tabLst>
+                <a:tab algn="l" pos="0"/>
+              </a:tabLst>
+            </a:pPr>
+            <a:r>
+              <a:rPr b="0" lang="en-US" sz="1200" spc="-1" strike="noStrike">
+                <a:solidFill>
+                  <a:srgbClr val="000000"/>
+                </a:solidFill>
+                <a:latin typeface="Arial"/>
+                <a:ea typeface="Noto Sans CJK SC"/>
+              </a:rPr>
+              <a:t>-use - Включает информацию о том, как использовать классы и методы. </a:t>
+            </a:r>
+            <a:endParaRPr b="0" lang="en-US" sz="1200" spc="-1" strike="noStrike">
+              <a:solidFill>
+                <a:srgbClr val="000000"/>
+              </a:solidFill>
+              <a:latin typeface="Arial"/>
+            </a:endParaRPr>
+          </a:p>
+          <a:p>
+            <a:pPr marL="432000" indent="-324000">
+              <a:lnSpc>
+                <a:spcPct val="100000"/>
+              </a:lnSpc>
+              <a:buClr>
+                <a:srgbClr val="000000"/>
+              </a:buClr>
+              <a:buFont typeface="Wingdings" charset="2"/>
+              <a:buChar char=""/>
+              <a:tabLst>
+                <a:tab algn="l" pos="0"/>
+              </a:tabLst>
+            </a:pPr>
+            <a:r>
+              <a:rPr b="0" lang="en-US" sz="1200" spc="-1" strike="noStrike">
+                <a:solidFill>
+                  <a:srgbClr val="000000"/>
+                </a:solidFill>
+                <a:latin typeface="Arial"/>
+                <a:ea typeface="Noto Sans CJK SC"/>
+              </a:rPr>
+              <a:t>-classpath &lt;path&gt; - Указывает путь к библиотекам и классам, необходимым для генерации документации. </a:t>
+            </a:r>
+            <a:endParaRPr b="0" lang="en-US" sz="1200" spc="-1" strike="noStrike">
+              <a:solidFill>
+                <a:srgbClr val="000000"/>
+              </a:solidFill>
+              <a:latin typeface="Arial"/>
+            </a:endParaRPr>
+          </a:p>
+          <a:p>
+            <a:pPr marL="432000" indent="-324000">
+              <a:lnSpc>
+                <a:spcPct val="100000"/>
+              </a:lnSpc>
+              <a:buClr>
+                <a:srgbClr val="000000"/>
+              </a:buClr>
+              <a:buFont typeface="Wingdings" charset="2"/>
+              <a:buChar char=""/>
+              <a:tabLst>
+                <a:tab algn="l" pos="0"/>
+              </a:tabLst>
+            </a:pPr>
+            <a:r>
+              <a:rPr b="0" lang="en-US" sz="1200" spc="-1" strike="noStrike">
+                <a:solidFill>
+                  <a:srgbClr val="000000"/>
+                </a:solidFill>
+                <a:latin typeface="Arial"/>
+                <a:ea typeface="Noto Sans CJK SC"/>
+              </a:rPr>
+              <a:t>-exclude &lt;pattern&gt; - Исключает определенные классы или пакеты из генерации документации. </a:t>
+            </a:r>
+            <a:endParaRPr b="0" lang="en-US" sz="1200" spc="-1" strike="noStrike">
+              <a:solidFill>
+                <a:srgbClr val="000000"/>
+              </a:solidFill>
+              <a:latin typeface="Arial"/>
+            </a:endParaRPr>
+          </a:p>
+          <a:p>
+            <a:pPr marL="432000" indent="-324000">
+              <a:lnSpc>
+                <a:spcPct val="100000"/>
+              </a:lnSpc>
+              <a:buClr>
+                <a:srgbClr val="000000"/>
+              </a:buClr>
+              <a:buFont typeface="Wingdings" charset="2"/>
+              <a:buChar char=""/>
+              <a:tabLst>
+                <a:tab algn="l" pos="0"/>
+              </a:tabLst>
+            </a:pPr>
+            <a:r>
+              <a:rPr b="0" lang="en-US" sz="1200" spc="-1" strike="noStrike">
+                <a:solidFill>
+                  <a:srgbClr val="000000"/>
+                </a:solidFill>
+                <a:latin typeface="Arial"/>
+                <a:ea typeface="Noto Sans CJK SC"/>
+              </a:rPr>
+              <a:t>-Xdoclint - Включает проверку документации на наличие ошибок и предупреждений.</a:t>
+            </a:r>
+            <a:endParaRPr b="0" lang="en-US" sz="1200" spc="-1" strike="noStrike">
               <a:solidFill>
                 <a:srgbClr val="000000"/>
               </a:solidFill>
@@ -5476,6 +8010,79 @@
       <p:sp>
         <p:nvSpPr>
           <p:cNvPr id="4" name="PlaceHolder 3"/>
+          <p:cNvSpPr>
+            <a:spLocks noGrp="1"/>
+          </p:cNvSpPr>
+          <p:nvPr>
+            <p:ph type="sldNum" idx="11"/>
+          </p:nvPr>
+        </p:nvSpPr>
+        <p:spPr/>
+        <p:txBody>
+          <a:bodyPr/>
+          <a:p>
+            <a:fld id="{72405A30-8CED-4D78-829D-F3E866BEB94D}" type="slidenum">
+              <a:t>8</a:t>
+            </a:fld>
+          </a:p>
+        </p:txBody>
+      </p:sp>
+    </p:spTree>
+  </p:cSld>
+  <mc:AlternateContent>
+    <mc:Choice Requires="p14">
+      <p:transition spd="slow" p14:dur="2000"/>
+    </mc:Choice>
+    <mc:Fallback>
+      <p:transition spd="slow"/>
+    </mc:Fallback>
+  </mc:AlternateContent>
+</p:sld>
+</file>
+
+<file path=ppt/slides/slide9.xml><?xml version="1.0" encoding="utf-8"?>
+<p:sld xmlns:a="http://schemas.openxmlformats.org/drawingml/2006/main" xmlns:p="http://schemas.openxmlformats.org/presentationml/2006/main" xmlns:r="http://schemas.openxmlformats.org/officeDocument/2006/relationships" xmlns:p14="http://schemas.microsoft.com/office/powerpoint/2010/main" xmlns:p15="http://schemas.microsoft.com/office/powerpoint/2012/main" xmlns:mc="http://schemas.openxmlformats.org/markup-compatibility/2006">
+  <p:cSld>
+    <p:spTree>
+      <p:nvGrpSpPr>
+        <p:cNvPr id="1" name=""/>
+        <p:cNvGrpSpPr/>
+        <p:nvPr/>
+      </p:nvGrpSpPr>
+      <p:grpSpPr>
+        <a:xfrm>
+          <a:off x="0" y="0"/>
+          <a:ext cx="0" cy="0"/>
+          <a:chOff x="0" y="0"/>
+          <a:chExt cx="0" cy="0"/>
+        </a:xfrm>
+      </p:grpSpPr>
+      <p:pic>
+        <p:nvPicPr>
+          <p:cNvPr id="44" name="" descr=""/>
+          <p:cNvPicPr/>
+          <p:nvPr/>
+        </p:nvPicPr>
+        <p:blipFill>
+          <a:blip r:embed="rId1"/>
+          <a:stretch/>
+        </p:blipFill>
+        <p:spPr>
+          <a:xfrm>
+            <a:off x="-21960" y="0"/>
+            <a:ext cx="10765800" cy="6055560"/>
+          </a:xfrm>
+          <a:prstGeom prst="rect">
+            <a:avLst/>
+          </a:prstGeom>
+          <a:ln w="0">
+            <a:noFill/>
+          </a:ln>
+        </p:spPr>
+      </p:pic>
+      <p:sp>
+        <p:nvSpPr>
+          <p:cNvPr id="2" name="PlaceHolder 1"/>
           <p:cNvSpPr>
             <a:spLocks noGrp="1"/>
           </p:cNvSpPr>
@@ -5487,8 +8094,8 @@
         <p:txBody>
           <a:bodyPr/>
           <a:p>
-            <a:fld id="{791BE96A-B1BD-420C-8158-7D98C216F149}" type="slidenum">
-              <a:t>6</a:t>
+            <a:fld id="{6BAD6037-501B-4F5E-8CAC-C235BA64498D}" type="slidenum">
+              <a:t>9</a:t>
             </a:fld>
           </a:p>
         </p:txBody>
@@ -5822,4 +8429,110 @@
     </a:fmtScheme>
   </a:themeElements>
 </a:theme>
+</file>
+
+<file path=ppt/theme/theme4.xml><?xml version="1.0" encoding="utf-8"?>
+<a:theme xmlns:a="http://schemas.openxmlformats.org/drawingml/2006/main" xmlns:r="http://schemas.openxmlformats.org/officeDocument/2006/relationships" name="Office">
+  <a:themeElements>
+    <a:clrScheme name="LibreOffice">
+      <a:dk1>
+        <a:srgbClr val="000000"/>
+      </a:dk1>
+      <a:lt1>
+        <a:srgbClr val="ffffff"/>
+      </a:lt1>
+      <a:dk2>
+        <a:srgbClr val="000000"/>
+      </a:dk2>
+      <a:lt2>
+        <a:srgbClr val="ffffff"/>
+      </a:lt2>
+      <a:accent1>
+        <a:srgbClr val="18a303"/>
+      </a:accent1>
+      <a:accent2>
+        <a:srgbClr val="0369a3"/>
+      </a:accent2>
+      <a:accent3>
+        <a:srgbClr val="a33e03"/>
+      </a:accent3>
+      <a:accent4>
+        <a:srgbClr val="8e03a3"/>
+      </a:accent4>
+      <a:accent5>
+        <a:srgbClr val="c99c00"/>
+      </a:accent5>
+      <a:accent6>
+        <a:srgbClr val="c9211e"/>
+      </a:accent6>
+      <a:hlink>
+        <a:srgbClr val="0000ee"/>
+      </a:hlink>
+      <a:folHlink>
+        <a:srgbClr val="551a8b"/>
+      </a:folHlink>
+    </a:clrScheme>
+    <a:fontScheme name="Office">
+      <a:majorFont>
+        <a:latin typeface="Arial" pitchFamily="0" charset="1"/>
+        <a:ea typeface="DejaVu Sans" pitchFamily="0" charset="1"/>
+        <a:cs typeface="DejaVu Sans" pitchFamily="0" charset="1"/>
+      </a:majorFont>
+      <a:minorFont>
+        <a:latin typeface="Arial" pitchFamily="0" charset="1"/>
+        <a:ea typeface="DejaVu Sans" pitchFamily="0" charset="1"/>
+        <a:cs typeface="DejaVu Sans" pitchFamily="0" charset="1"/>
+      </a:minorFont>
+    </a:fontScheme>
+    <a:fmtScheme>
+      <a:fillStyleLst>
+        <a:solidFill>
+          <a:schemeClr val="phClr"/>
+        </a:solidFill>
+        <a:solidFill>
+          <a:schemeClr val="phClr"/>
+        </a:solidFill>
+        <a:solidFill>
+          <a:schemeClr val="phClr"/>
+        </a:solidFill>
+      </a:fillStyleLst>
+      <a:lnStyleLst>
+        <a:ln w="6350" cap="flat" cmpd="sng" algn="ctr">
+          <a:prstDash val="solid"/>
+          <a:miter/>
+        </a:ln>
+        <a:ln w="6350" cap="flat" cmpd="sng" algn="ctr">
+          <a:prstDash val="solid"/>
+          <a:miter/>
+        </a:ln>
+        <a:ln w="6350" cap="flat" cmpd="sng" algn="ctr">
+          <a:prstDash val="solid"/>
+          <a:miter/>
+        </a:ln>
+      </a:lnStyleLst>
+      <a:effectStyleLst>
+        <a:effectStyle>
+          <a:effectLst/>
+        </a:effectStyle>
+        <a:effectStyle>
+          <a:effectLst/>
+        </a:effectStyle>
+        <a:effectStyle>
+          <a:effectLst/>
+        </a:effectStyle>
+      </a:effectStyleLst>
+      <a:bgFillStyleLst>
+        <a:solidFill>
+          <a:schemeClr val="phClr"/>
+        </a:solidFill>
+        <a:solidFill>
+          <a:schemeClr val="phClr"/>
+        </a:solidFill>
+        <a:solidFill>
+          <a:schemeClr val="phClr"/>
+        </a:solidFill>
+      </a:bgFillStyleLst>
+    </a:fmtScheme>
+  </a:themeElements>
+</a:theme>
 </file>